--- a/arch 2035.pptx
+++ b/arch 2035.pptx
@@ -5,7 +5,7 @@
     <p:sldMasterId id="2147483648" r:id="rId1"/>
   </p:sldMasterIdLst>
   <p:notesMasterIdLst>
-    <p:notesMasterId r:id="rId18"/>
+    <p:notesMasterId r:id="rId14"/>
   </p:notesMasterIdLst>
   <p:sldIdLst>
     <p:sldId id="256" r:id="rId2"/>
@@ -19,29 +19,25 @@
     <p:sldId id="261" r:id="rId10"/>
     <p:sldId id="265" r:id="rId11"/>
     <p:sldId id="263" r:id="rId12"/>
-    <p:sldId id="262" r:id="rId13"/>
-    <p:sldId id="258" r:id="rId14"/>
-    <p:sldId id="266" r:id="rId15"/>
-    <p:sldId id="267" r:id="rId16"/>
-    <p:sldId id="268" r:id="rId17"/>
+    <p:sldId id="268" r:id="rId13"/>
   </p:sldIdLst>
   <p:sldSz cx="18288000" cy="10287000"/>
   <p:notesSz cx="6858000" cy="9144000"/>
   <p:embeddedFontLst>
     <p:embeddedFont>
       <p:font typeface="Calibri" pitchFamily="34" charset="0"/>
-      <p:regular r:id="rId19"/>
-      <p:bold r:id="rId20"/>
-      <p:italic r:id="rId21"/>
-      <p:boldItalic r:id="rId22"/>
+      <p:regular r:id="rId15"/>
+      <p:bold r:id="rId16"/>
+      <p:italic r:id="rId17"/>
+      <p:boldItalic r:id="rId18"/>
     </p:embeddedFont>
     <p:embeddedFont>
       <p:font typeface="Clear Sans Regular" charset="0"/>
-      <p:regular r:id="rId23"/>
+      <p:regular r:id="rId19"/>
     </p:embeddedFont>
     <p:embeddedFont>
       <p:font typeface="HK Grotesk Bold" charset="0"/>
-      <p:bold r:id="rId24"/>
+      <p:bold r:id="rId20"/>
     </p:embeddedFont>
   </p:embeddedFontLst>
   <p:defaultTextStyle>
@@ -7126,3476 +7122,6 @@
           <p:nvPr/>
         </p:nvGrpSpPr>
         <p:grpSpPr>
-          <a:xfrm>
-            <a:off x="1028700" y="1028700"/>
-            <a:ext cx="12197131" cy="2137037"/>
-            <a:chOff x="0" y="0"/>
-            <a:chExt cx="16262841" cy="2849383"/>
-          </a:xfrm>
-        </p:grpSpPr>
-        <p:sp>
-          <p:nvSpPr>
-            <p:cNvPr id="3" name="TextBox 3"/>
-            <p:cNvSpPr txBox="1"/>
-            <p:nvPr/>
-          </p:nvSpPr>
-          <p:spPr>
-            <a:xfrm>
-              <a:off x="0" y="1386892"/>
-              <a:ext cx="16262841" cy="1462491"/>
-            </a:xfrm>
-            <a:prstGeom prst="rect">
-              <a:avLst/>
-            </a:prstGeom>
-          </p:spPr>
-          <p:txBody>
-            <a:bodyPr lIns="0" tIns="0" rIns="0" bIns="0" rtlCol="0" anchor="t">
-              <a:spAutoFit/>
-            </a:bodyPr>
-            <a:lstStyle/>
-            <a:p>
-              <a:pPr>
-                <a:lnSpc>
-                  <a:spcPts val="8190"/>
-                </a:lnSpc>
-              </a:pPr>
-              <a:r>
-                <a:rPr lang="en-US" sz="7800" spc="-78">
-                  <a:solidFill>
-                    <a:srgbClr val="000000"/>
-                  </a:solidFill>
-                  <a:latin typeface="HK Grotesk Bold Bold"/>
-                </a:rPr>
-                <a:t>ЗАГОЛОВОК</a:t>
-              </a:r>
-            </a:p>
-          </p:txBody>
-        </p:sp>
-        <p:sp>
-          <p:nvSpPr>
-            <p:cNvPr id="4" name="TextBox 4"/>
-            <p:cNvSpPr txBox="1"/>
-            <p:nvPr/>
-          </p:nvSpPr>
-          <p:spPr>
-            <a:xfrm>
-              <a:off x="0" y="-85725"/>
-              <a:ext cx="6702908" cy="811986"/>
-            </a:xfrm>
-            <a:prstGeom prst="rect">
-              <a:avLst/>
-            </a:prstGeom>
-          </p:spPr>
-          <p:txBody>
-            <a:bodyPr lIns="0" tIns="0" rIns="0" bIns="0" rtlCol="0" anchor="t">
-              <a:spAutoFit/>
-            </a:bodyPr>
-            <a:lstStyle/>
-            <a:p>
-              <a:pPr marL="0" lvl="0" indent="0">
-                <a:lnSpc>
-                  <a:spcPts val="5112"/>
-                </a:lnSpc>
-              </a:pPr>
-              <a:r>
-                <a:rPr lang="en-US" sz="3600" spc="-36">
-                  <a:solidFill>
-                    <a:srgbClr val="000000"/>
-                  </a:solidFill>
-                  <a:latin typeface="Clear Sans Regular"/>
-                </a:rPr>
-                <a:t>Заголовок</a:t>
-              </a:r>
-            </a:p>
-          </p:txBody>
-        </p:sp>
-      </p:grpSp>
-      <p:sp>
-        <p:nvSpPr>
-          <p:cNvPr id="5" name="AutoShape 5"/>
-          <p:cNvSpPr/>
-          <p:nvPr/>
-        </p:nvSpPr>
-        <p:spPr>
-          <a:xfrm>
-            <a:off x="1028700" y="6736284"/>
-            <a:ext cx="15824000" cy="2522016"/>
-          </a:xfrm>
-          <a:prstGeom prst="rect">
-            <a:avLst/>
-          </a:prstGeom>
-          <a:solidFill>
-            <a:srgbClr val="000000"/>
-          </a:solidFill>
-        </p:spPr>
-      </p:sp>
-      <p:sp>
-        <p:nvSpPr>
-          <p:cNvPr id="6" name="AutoShape 6"/>
-          <p:cNvSpPr/>
-          <p:nvPr/>
-        </p:nvSpPr>
-        <p:spPr>
-          <a:xfrm>
-            <a:off x="1219700" y="6336693"/>
-            <a:ext cx="16039600" cy="2721221"/>
-          </a:xfrm>
-          <a:prstGeom prst="rect">
-            <a:avLst/>
-          </a:prstGeom>
-          <a:solidFill>
-            <a:srgbClr val="FFFFFF"/>
-          </a:solidFill>
-        </p:spPr>
-      </p:sp>
-      <p:sp>
-        <p:nvSpPr>
-          <p:cNvPr id="7" name="TextBox 7"/>
-          <p:cNvSpPr txBox="1"/>
-          <p:nvPr/>
-        </p:nvSpPr>
-        <p:spPr>
-          <a:xfrm>
-            <a:off x="2171168" y="7085666"/>
-            <a:ext cx="14136664" cy="1175649"/>
-          </a:xfrm>
-          <a:prstGeom prst="rect">
-            <a:avLst/>
-          </a:prstGeom>
-        </p:spPr>
-        <p:txBody>
-          <a:bodyPr lIns="0" tIns="0" rIns="0" bIns="0" rtlCol="0" anchor="t">
-            <a:spAutoFit/>
-          </a:bodyPr>
-          <a:lstStyle/>
-          <a:p>
-            <a:pPr marL="0" lvl="0" indent="0">
-              <a:lnSpc>
-                <a:spcPts val="3124"/>
-              </a:lnSpc>
-            </a:pPr>
-            <a:r>
-              <a:rPr lang="en-US" sz="2200" spc="-21">
-                <a:solidFill>
-                  <a:srgbClr val="000000"/>
-                </a:solidFill>
-                <a:latin typeface="Clear Sans Regular"/>
-              </a:rPr>
-              <a:t>Презентации</a:t>
-            </a:r>
-            <a:r>
-              <a:rPr lang="en-US" sz="2200" u="none" spc="-21">
-                <a:solidFill>
-                  <a:srgbClr val="000000"/>
-                </a:solidFill>
-                <a:latin typeface="Clear Sans Regular"/>
-              </a:rPr>
-              <a:t> являются средствами коммуникации, которые могут быть демонстрациями, лекциями, выступлениями, докладами и многим другим. В большинстве случаев они демонстрируются перед аудиторией. Они многофункциональны, что делает их мощными инструментами для убеждения и обучения.</a:t>
-            </a:r>
-          </a:p>
-        </p:txBody>
-      </p:sp>
-      <p:grpSp>
-        <p:nvGrpSpPr>
-          <p:cNvPr id="8" name="Group 8"/>
-          <p:cNvGrpSpPr/>
-          <p:nvPr/>
-        </p:nvGrpSpPr>
-        <p:grpSpPr>
-          <a:xfrm>
-            <a:off x="14487994" y="1028700"/>
-            <a:ext cx="2771306" cy="2376533"/>
-            <a:chOff x="0" y="0"/>
-            <a:chExt cx="3695075" cy="3168710"/>
-          </a:xfrm>
-        </p:grpSpPr>
-        <p:pic>
-          <p:nvPicPr>
-            <p:cNvPr id="9" name="Picture 9"/>
-            <p:cNvPicPr>
-              <a:picLocks noChangeAspect="1"/>
-            </p:cNvPicPr>
-            <p:nvPr/>
-          </p:nvPicPr>
-          <p:blipFill>
-            <a:blip r:embed="rId2" cstate="print"/>
-            <a:srcRect/>
-            <a:stretch>
-              <a:fillRect/>
-            </a:stretch>
-          </p:blipFill>
-          <p:spPr>
-            <a:xfrm>
-              <a:off x="0" y="0"/>
-              <a:ext cx="3695075" cy="2697405"/>
-            </a:xfrm>
-            <a:prstGeom prst="rect">
-              <a:avLst/>
-            </a:prstGeom>
-          </p:spPr>
-        </p:pic>
-        <p:grpSp>
-          <p:nvGrpSpPr>
-            <p:cNvPr id="10" name="Group 10"/>
-            <p:cNvGrpSpPr>
-              <a:grpSpLocks noChangeAspect="1"/>
-            </p:cNvGrpSpPr>
-            <p:nvPr/>
-          </p:nvGrpSpPr>
-          <p:grpSpPr>
-            <a:xfrm>
-              <a:off x="2617428" y="2091064"/>
-              <a:ext cx="1077647" cy="1077647"/>
-              <a:chOff x="1371600" y="6705600"/>
-              <a:chExt cx="10972800" cy="10972800"/>
-            </a:xfrm>
-          </p:grpSpPr>
-          <p:sp>
-            <p:nvSpPr>
-              <p:cNvPr id="11" name="Freeform 11"/>
-              <p:cNvSpPr/>
-              <p:nvPr/>
-            </p:nvSpPr>
-            <p:spPr>
-              <a:xfrm>
-                <a:off x="1362808" y="6434629"/>
-                <a:ext cx="10990384" cy="11514742"/>
-              </a:xfrm>
-              <a:custGeom>
-                <a:avLst/>
-                <a:gdLst/>
-                <a:ahLst/>
-                <a:cxnLst/>
-                <a:rect l="l" t="t" r="r" b="b"/>
-                <a:pathLst>
-                  <a:path w="10990384" h="11514742">
-                    <a:moveTo>
-                      <a:pt x="8792" y="5757371"/>
-                    </a:moveTo>
-                    <a:cubicBezTo>
-                      <a:pt x="0" y="7723318"/>
-                      <a:pt x="1043775" y="9543701"/>
-                      <a:pt x="2744885" y="10529222"/>
-                    </a:cubicBezTo>
-                    <a:cubicBezTo>
-                      <a:pt x="4445994" y="11514742"/>
-                      <a:pt x="6544389" y="11514742"/>
-                      <a:pt x="8245499" y="10529222"/>
-                    </a:cubicBezTo>
-                    <a:cubicBezTo>
-                      <a:pt x="9946609" y="9543701"/>
-                      <a:pt x="10990384" y="7723318"/>
-                      <a:pt x="10981592" y="5757371"/>
-                    </a:cubicBezTo>
-                    <a:cubicBezTo>
-                      <a:pt x="10990384" y="3791424"/>
-                      <a:pt x="9946609" y="1971041"/>
-                      <a:pt x="8245499" y="985520"/>
-                    </a:cubicBezTo>
-                    <a:cubicBezTo>
-                      <a:pt x="6544389" y="0"/>
-                      <a:pt x="4445994" y="0"/>
-                      <a:pt x="2744885" y="985520"/>
-                    </a:cubicBezTo>
-                    <a:cubicBezTo>
-                      <a:pt x="1043775" y="1971041"/>
-                      <a:pt x="0" y="3791424"/>
-                      <a:pt x="8792" y="5757371"/>
-                    </a:cubicBezTo>
-                    <a:close/>
-                  </a:path>
-                </a:pathLst>
-              </a:custGeom>
-              <a:solidFill>
-                <a:srgbClr val="000000"/>
-              </a:solidFill>
-            </p:spPr>
-          </p:sp>
-        </p:grpSp>
-      </p:grpSp>
-    </p:spTree>
-  </p:cSld>
-  <p:clrMapOvr>
-    <a:masterClrMapping/>
-  </p:clrMapOvr>
-  <p:timing>
-    <p:tnLst>
-      <p:par>
-        <p:cTn id="1" dur="indefinite" restart="never" nodeType="tmRoot"/>
-      </p:par>
-    </p:tnLst>
-  </p:timing>
-</p:sld>
-</file>
-
-<file path=ppt/slides/slide13.xml><?xml version="1.0" encoding="utf-8"?>
-<p:sld xmlns:a="http://schemas.openxmlformats.org/drawingml/2006/main" xmlns:r="http://schemas.openxmlformats.org/officeDocument/2006/relationships" xmlns:p="http://schemas.openxmlformats.org/presentationml/2006/main">
-  <p:cSld>
-    <p:bg>
-      <p:bgPr>
-        <a:solidFill>
-          <a:srgbClr val="1CE6D2"/>
-        </a:solidFill>
-        <a:effectLst/>
-      </p:bgPr>
-    </p:bg>
-    <p:spTree>
-      <p:nvGrpSpPr>
-        <p:cNvPr id="1" name=""/>
-        <p:cNvGrpSpPr/>
-        <p:nvPr/>
-      </p:nvGrpSpPr>
-      <p:grpSpPr>
-        <a:xfrm>
-          <a:off x="0" y="0"/>
-          <a:ext cx="0" cy="0"/>
-          <a:chOff x="0" y="0"/>
-          <a:chExt cx="0" cy="0"/>
-        </a:xfrm>
-      </p:grpSpPr>
-      <p:grpSp>
-        <p:nvGrpSpPr>
-          <p:cNvPr id="2" name="Group 2"/>
-          <p:cNvGrpSpPr/>
-          <p:nvPr/>
-        </p:nvGrpSpPr>
-        <p:grpSpPr>
-          <a:xfrm>
-            <a:off x="3821657" y="4075118"/>
-            <a:ext cx="3420860" cy="3691111"/>
-            <a:chOff x="0" y="0"/>
-            <a:chExt cx="1797661" cy="1939678"/>
-          </a:xfrm>
-        </p:grpSpPr>
-        <p:sp>
-          <p:nvSpPr>
-            <p:cNvPr id="3" name="Freeform 3"/>
-            <p:cNvSpPr/>
-            <p:nvPr/>
-          </p:nvSpPr>
-          <p:spPr>
-            <a:xfrm>
-              <a:off x="0" y="0"/>
-              <a:ext cx="1797661" cy="1939678"/>
-            </a:xfrm>
-            <a:custGeom>
-              <a:avLst/>
-              <a:gdLst/>
-              <a:ahLst/>
-              <a:cxnLst/>
-              <a:rect l="l" t="t" r="r" b="b"/>
-              <a:pathLst>
-                <a:path w="1797661" h="1939678">
-                  <a:moveTo>
-                    <a:pt x="0" y="0"/>
-                  </a:moveTo>
-                  <a:lnTo>
-                    <a:pt x="1797661" y="0"/>
-                  </a:lnTo>
-                  <a:lnTo>
-                    <a:pt x="1797661" y="1939678"/>
-                  </a:lnTo>
-                  <a:lnTo>
-                    <a:pt x="0" y="1939678"/>
-                  </a:lnTo>
-                  <a:close/>
-                </a:path>
-              </a:pathLst>
-            </a:custGeom>
-            <a:solidFill>
-              <a:srgbClr val="FFFFFF"/>
-            </a:solidFill>
-          </p:spPr>
-        </p:sp>
-      </p:grpSp>
-      <p:grpSp>
-        <p:nvGrpSpPr>
-          <p:cNvPr id="4" name="Group 4"/>
-          <p:cNvGrpSpPr/>
-          <p:nvPr/>
-        </p:nvGrpSpPr>
-        <p:grpSpPr>
-          <a:xfrm>
-            <a:off x="210553" y="216721"/>
-            <a:ext cx="3420860" cy="7549507"/>
-            <a:chOff x="0" y="0"/>
-            <a:chExt cx="814220" cy="1796904"/>
-          </a:xfrm>
-        </p:grpSpPr>
-        <p:sp>
-          <p:nvSpPr>
-            <p:cNvPr id="5" name="Freeform 5"/>
-            <p:cNvSpPr/>
-            <p:nvPr/>
-          </p:nvSpPr>
-          <p:spPr>
-            <a:xfrm>
-              <a:off x="0" y="0"/>
-              <a:ext cx="814219" cy="1796904"/>
-            </a:xfrm>
-            <a:custGeom>
-              <a:avLst/>
-              <a:gdLst/>
-              <a:ahLst/>
-              <a:cxnLst/>
-              <a:rect l="l" t="t" r="r" b="b"/>
-              <a:pathLst>
-                <a:path w="814219" h="1796904">
-                  <a:moveTo>
-                    <a:pt x="0" y="0"/>
-                  </a:moveTo>
-                  <a:lnTo>
-                    <a:pt x="814219" y="0"/>
-                  </a:lnTo>
-                  <a:lnTo>
-                    <a:pt x="814219" y="1796904"/>
-                  </a:lnTo>
-                  <a:lnTo>
-                    <a:pt x="0" y="1796904"/>
-                  </a:lnTo>
-                  <a:close/>
-                </a:path>
-              </a:pathLst>
-            </a:custGeom>
-            <a:solidFill>
-              <a:srgbClr val="FFFFFF"/>
-            </a:solidFill>
-          </p:spPr>
-        </p:sp>
-      </p:grpSp>
-      <p:grpSp>
-        <p:nvGrpSpPr>
-          <p:cNvPr id="6" name="Group 6"/>
-          <p:cNvGrpSpPr/>
-          <p:nvPr/>
-        </p:nvGrpSpPr>
-        <p:grpSpPr>
-          <a:xfrm>
-            <a:off x="3821657" y="216721"/>
-            <a:ext cx="3420860" cy="3642037"/>
-            <a:chOff x="0" y="0"/>
-            <a:chExt cx="1797661" cy="1913890"/>
-          </a:xfrm>
-        </p:grpSpPr>
-        <p:sp>
-          <p:nvSpPr>
-            <p:cNvPr id="7" name="Freeform 7"/>
-            <p:cNvSpPr/>
-            <p:nvPr/>
-          </p:nvSpPr>
-          <p:spPr>
-            <a:xfrm>
-              <a:off x="0" y="0"/>
-              <a:ext cx="1797661" cy="1913890"/>
-            </a:xfrm>
-            <a:custGeom>
-              <a:avLst/>
-              <a:gdLst/>
-              <a:ahLst/>
-              <a:cxnLst/>
-              <a:rect l="l" t="t" r="r" b="b"/>
-              <a:pathLst>
-                <a:path w="1797661" h="1913890">
-                  <a:moveTo>
-                    <a:pt x="0" y="0"/>
-                  </a:moveTo>
-                  <a:lnTo>
-                    <a:pt x="1797661" y="0"/>
-                  </a:lnTo>
-                  <a:lnTo>
-                    <a:pt x="1797661" y="1913890"/>
-                  </a:lnTo>
-                  <a:lnTo>
-                    <a:pt x="0" y="1913890"/>
-                  </a:lnTo>
-                  <a:close/>
-                </a:path>
-              </a:pathLst>
-            </a:custGeom>
-            <a:solidFill>
-              <a:srgbClr val="FFFFFF"/>
-            </a:solidFill>
-          </p:spPr>
-        </p:sp>
-      </p:grpSp>
-      <p:grpSp>
-        <p:nvGrpSpPr>
-          <p:cNvPr id="8" name="Group 8"/>
-          <p:cNvGrpSpPr/>
-          <p:nvPr/>
-        </p:nvGrpSpPr>
-        <p:grpSpPr>
-          <a:xfrm>
-            <a:off x="7432761" y="216721"/>
-            <a:ext cx="3420860" cy="7549507"/>
-            <a:chOff x="0" y="0"/>
-            <a:chExt cx="814220" cy="1796904"/>
-          </a:xfrm>
-        </p:grpSpPr>
-        <p:sp>
-          <p:nvSpPr>
-            <p:cNvPr id="9" name="Freeform 9"/>
-            <p:cNvSpPr/>
-            <p:nvPr/>
-          </p:nvSpPr>
-          <p:spPr>
-            <a:xfrm>
-              <a:off x="0" y="0"/>
-              <a:ext cx="814219" cy="1796904"/>
-            </a:xfrm>
-            <a:custGeom>
-              <a:avLst/>
-              <a:gdLst/>
-              <a:ahLst/>
-              <a:cxnLst/>
-              <a:rect l="l" t="t" r="r" b="b"/>
-              <a:pathLst>
-                <a:path w="814219" h="1796904">
-                  <a:moveTo>
-                    <a:pt x="0" y="0"/>
-                  </a:moveTo>
-                  <a:lnTo>
-                    <a:pt x="814219" y="0"/>
-                  </a:lnTo>
-                  <a:lnTo>
-                    <a:pt x="814219" y="1796904"/>
-                  </a:lnTo>
-                  <a:lnTo>
-                    <a:pt x="0" y="1796904"/>
-                  </a:lnTo>
-                  <a:close/>
-                </a:path>
-              </a:pathLst>
-            </a:custGeom>
-            <a:solidFill>
-              <a:srgbClr val="FFFFFF"/>
-            </a:solidFill>
-          </p:spPr>
-        </p:sp>
-      </p:grpSp>
-      <p:grpSp>
-        <p:nvGrpSpPr>
-          <p:cNvPr id="10" name="Group 10"/>
-          <p:cNvGrpSpPr/>
-          <p:nvPr/>
-        </p:nvGrpSpPr>
-        <p:grpSpPr>
-          <a:xfrm>
-            <a:off x="11043865" y="216721"/>
-            <a:ext cx="3420860" cy="3642037"/>
-            <a:chOff x="0" y="0"/>
-            <a:chExt cx="1797661" cy="1913890"/>
-          </a:xfrm>
-        </p:grpSpPr>
-        <p:sp>
-          <p:nvSpPr>
-            <p:cNvPr id="11" name="Freeform 11"/>
-            <p:cNvSpPr/>
-            <p:nvPr/>
-          </p:nvSpPr>
-          <p:spPr>
-            <a:xfrm>
-              <a:off x="0" y="0"/>
-              <a:ext cx="1797661" cy="1913890"/>
-            </a:xfrm>
-            <a:custGeom>
-              <a:avLst/>
-              <a:gdLst/>
-              <a:ahLst/>
-              <a:cxnLst/>
-              <a:rect l="l" t="t" r="r" b="b"/>
-              <a:pathLst>
-                <a:path w="1797661" h="1913890">
-                  <a:moveTo>
-                    <a:pt x="0" y="0"/>
-                  </a:moveTo>
-                  <a:lnTo>
-                    <a:pt x="1797661" y="0"/>
-                  </a:lnTo>
-                  <a:lnTo>
-                    <a:pt x="1797661" y="1913890"/>
-                  </a:lnTo>
-                  <a:lnTo>
-                    <a:pt x="0" y="1913890"/>
-                  </a:lnTo>
-                  <a:close/>
-                </a:path>
-              </a:pathLst>
-            </a:custGeom>
-            <a:solidFill>
-              <a:srgbClr val="FFFFFF"/>
-            </a:solidFill>
-          </p:spPr>
-        </p:sp>
-      </p:grpSp>
-      <p:grpSp>
-        <p:nvGrpSpPr>
-          <p:cNvPr id="12" name="Group 12"/>
-          <p:cNvGrpSpPr/>
-          <p:nvPr/>
-        </p:nvGrpSpPr>
-        <p:grpSpPr>
-          <a:xfrm>
-            <a:off x="11043865" y="4075118"/>
-            <a:ext cx="3420860" cy="3691111"/>
-            <a:chOff x="0" y="0"/>
-            <a:chExt cx="1797661" cy="1939678"/>
-          </a:xfrm>
-        </p:grpSpPr>
-        <p:sp>
-          <p:nvSpPr>
-            <p:cNvPr id="13" name="Freeform 13"/>
-            <p:cNvSpPr/>
-            <p:nvPr/>
-          </p:nvSpPr>
-          <p:spPr>
-            <a:xfrm>
-              <a:off x="0" y="0"/>
-              <a:ext cx="1797661" cy="1939678"/>
-            </a:xfrm>
-            <a:custGeom>
-              <a:avLst/>
-              <a:gdLst/>
-              <a:ahLst/>
-              <a:cxnLst/>
-              <a:rect l="l" t="t" r="r" b="b"/>
-              <a:pathLst>
-                <a:path w="1797661" h="1939678">
-                  <a:moveTo>
-                    <a:pt x="0" y="0"/>
-                  </a:moveTo>
-                  <a:lnTo>
-                    <a:pt x="1797661" y="0"/>
-                  </a:lnTo>
-                  <a:lnTo>
-                    <a:pt x="1797661" y="1939678"/>
-                  </a:lnTo>
-                  <a:lnTo>
-                    <a:pt x="0" y="1939678"/>
-                  </a:lnTo>
-                  <a:close/>
-                </a:path>
-              </a:pathLst>
-            </a:custGeom>
-            <a:solidFill>
-              <a:srgbClr val="FFFFFF"/>
-            </a:solidFill>
-          </p:spPr>
-        </p:sp>
-      </p:grpSp>
-      <p:grpSp>
-        <p:nvGrpSpPr>
-          <p:cNvPr id="14" name="Group 14"/>
-          <p:cNvGrpSpPr/>
-          <p:nvPr/>
-        </p:nvGrpSpPr>
-        <p:grpSpPr>
-          <a:xfrm>
-            <a:off x="14654969" y="216721"/>
-            <a:ext cx="3420860" cy="7549507"/>
-            <a:chOff x="0" y="0"/>
-            <a:chExt cx="814220" cy="1796904"/>
-          </a:xfrm>
-        </p:grpSpPr>
-        <p:sp>
-          <p:nvSpPr>
-            <p:cNvPr id="15" name="Freeform 15"/>
-            <p:cNvSpPr/>
-            <p:nvPr/>
-          </p:nvSpPr>
-          <p:spPr>
-            <a:xfrm>
-              <a:off x="0" y="0"/>
-              <a:ext cx="814219" cy="1796904"/>
-            </a:xfrm>
-            <a:custGeom>
-              <a:avLst/>
-              <a:gdLst/>
-              <a:ahLst/>
-              <a:cxnLst/>
-              <a:rect l="l" t="t" r="r" b="b"/>
-              <a:pathLst>
-                <a:path w="814219" h="1796904">
-                  <a:moveTo>
-                    <a:pt x="0" y="0"/>
-                  </a:moveTo>
-                  <a:lnTo>
-                    <a:pt x="814219" y="0"/>
-                  </a:lnTo>
-                  <a:lnTo>
-                    <a:pt x="814219" y="1796904"/>
-                  </a:lnTo>
-                  <a:lnTo>
-                    <a:pt x="0" y="1796904"/>
-                  </a:lnTo>
-                  <a:close/>
-                </a:path>
-              </a:pathLst>
-            </a:custGeom>
-            <a:solidFill>
-              <a:srgbClr val="FFFFFF"/>
-            </a:solidFill>
-          </p:spPr>
-        </p:sp>
-      </p:grpSp>
-      <p:grpSp>
-        <p:nvGrpSpPr>
-          <p:cNvPr id="16" name="Group 16"/>
-          <p:cNvGrpSpPr/>
-          <p:nvPr/>
-        </p:nvGrpSpPr>
-        <p:grpSpPr>
-          <a:xfrm rot="-5400000">
-            <a:off x="3567405" y="4629066"/>
-            <a:ext cx="2074554" cy="8788259"/>
-            <a:chOff x="0" y="0"/>
-            <a:chExt cx="569569" cy="2412817"/>
-          </a:xfrm>
-        </p:grpSpPr>
-        <p:sp>
-          <p:nvSpPr>
-            <p:cNvPr id="17" name="Freeform 17"/>
-            <p:cNvSpPr/>
-            <p:nvPr/>
-          </p:nvSpPr>
-          <p:spPr>
-            <a:xfrm>
-              <a:off x="0" y="0"/>
-              <a:ext cx="569569" cy="2412817"/>
-            </a:xfrm>
-            <a:custGeom>
-              <a:avLst/>
-              <a:gdLst/>
-              <a:ahLst/>
-              <a:cxnLst/>
-              <a:rect l="l" t="t" r="r" b="b"/>
-              <a:pathLst>
-                <a:path w="569569" h="2412817">
-                  <a:moveTo>
-                    <a:pt x="0" y="0"/>
-                  </a:moveTo>
-                  <a:lnTo>
-                    <a:pt x="569569" y="0"/>
-                  </a:lnTo>
-                  <a:lnTo>
-                    <a:pt x="569569" y="2412817"/>
-                  </a:lnTo>
-                  <a:lnTo>
-                    <a:pt x="0" y="2412817"/>
-                  </a:lnTo>
-                  <a:close/>
-                </a:path>
-              </a:pathLst>
-            </a:custGeom>
-            <a:solidFill>
-              <a:srgbClr val="FFFFFF"/>
-            </a:solidFill>
-          </p:spPr>
-        </p:sp>
-      </p:grpSp>
-      <p:grpSp>
-        <p:nvGrpSpPr>
-          <p:cNvPr id="18" name="Group 18"/>
-          <p:cNvGrpSpPr/>
-          <p:nvPr/>
-        </p:nvGrpSpPr>
-        <p:grpSpPr>
-          <a:xfrm rot="-5400000">
-            <a:off x="12623925" y="4608569"/>
-            <a:ext cx="2060969" cy="8842839"/>
-            <a:chOff x="0" y="0"/>
-            <a:chExt cx="588993" cy="2527145"/>
-          </a:xfrm>
-        </p:grpSpPr>
-        <p:sp>
-          <p:nvSpPr>
-            <p:cNvPr id="19" name="Freeform 19"/>
-            <p:cNvSpPr/>
-            <p:nvPr/>
-          </p:nvSpPr>
-          <p:spPr>
-            <a:xfrm>
-              <a:off x="0" y="0"/>
-              <a:ext cx="588993" cy="2527145"/>
-            </a:xfrm>
-            <a:custGeom>
-              <a:avLst/>
-              <a:gdLst/>
-              <a:ahLst/>
-              <a:cxnLst/>
-              <a:rect l="l" t="t" r="r" b="b"/>
-              <a:pathLst>
-                <a:path w="588993" h="2527145">
-                  <a:moveTo>
-                    <a:pt x="0" y="0"/>
-                  </a:moveTo>
-                  <a:lnTo>
-                    <a:pt x="588993" y="0"/>
-                  </a:lnTo>
-                  <a:lnTo>
-                    <a:pt x="588993" y="2527145"/>
-                  </a:lnTo>
-                  <a:lnTo>
-                    <a:pt x="0" y="2527145"/>
-                  </a:lnTo>
-                  <a:close/>
-                </a:path>
-              </a:pathLst>
-            </a:custGeom>
-            <a:solidFill>
-              <a:srgbClr val="FFFFFF"/>
-            </a:solidFill>
-          </p:spPr>
-        </p:sp>
-      </p:grpSp>
-      <p:grpSp>
-        <p:nvGrpSpPr>
-          <p:cNvPr id="20" name="Group 20"/>
-          <p:cNvGrpSpPr/>
-          <p:nvPr/>
-        </p:nvGrpSpPr>
-        <p:grpSpPr>
-          <a:xfrm>
-            <a:off x="562092" y="491698"/>
-            <a:ext cx="2717782" cy="1896862"/>
-            <a:chOff x="0" y="0"/>
-            <a:chExt cx="3623709" cy="2529150"/>
-          </a:xfrm>
-        </p:grpSpPr>
-        <p:sp>
-          <p:nvSpPr>
-            <p:cNvPr id="21" name="TextBox 21"/>
-            <p:cNvSpPr txBox="1"/>
-            <p:nvPr/>
-          </p:nvSpPr>
-          <p:spPr>
-            <a:xfrm>
-              <a:off x="0" y="-28575"/>
-              <a:ext cx="3623709" cy="511531"/>
-            </a:xfrm>
-            <a:prstGeom prst="rect">
-              <a:avLst/>
-            </a:prstGeom>
-          </p:spPr>
-          <p:txBody>
-            <a:bodyPr lIns="0" tIns="0" rIns="0" bIns="0" rtlCol="0" anchor="t">
-              <a:spAutoFit/>
-            </a:bodyPr>
-            <a:lstStyle/>
-            <a:p>
-              <a:pPr marL="0" lvl="0" indent="0">
-                <a:lnSpc>
-                  <a:spcPts val="3119"/>
-                </a:lnSpc>
-                <a:spcBef>
-                  <a:spcPct val="0"/>
-                </a:spcBef>
-              </a:pPr>
-              <a:r>
-                <a:rPr lang="en-US" sz="2399" spc="-23" dirty="0" err="1">
-                  <a:solidFill>
-                    <a:srgbClr val="000000"/>
-                  </a:solidFill>
-                  <a:latin typeface="HK Grotesk Bold Bold"/>
-                </a:rPr>
-                <a:t>Заголовок</a:t>
-              </a:r>
-              <a:endParaRPr lang="en-US" sz="2399" spc="-23" dirty="0">
-                <a:solidFill>
-                  <a:srgbClr val="000000"/>
-                </a:solidFill>
-                <a:latin typeface="HK Grotesk Bold Bold"/>
-              </a:endParaRPr>
-            </a:p>
-          </p:txBody>
-        </p:sp>
-        <p:sp>
-          <p:nvSpPr>
-            <p:cNvPr id="22" name="TextBox 22"/>
-            <p:cNvSpPr txBox="1"/>
-            <p:nvPr/>
-          </p:nvSpPr>
-          <p:spPr>
-            <a:xfrm>
-              <a:off x="0" y="654931"/>
-              <a:ext cx="3623709" cy="1874219"/>
-            </a:xfrm>
-            <a:prstGeom prst="rect">
-              <a:avLst/>
-            </a:prstGeom>
-          </p:spPr>
-          <p:txBody>
-            <a:bodyPr lIns="0" tIns="0" rIns="0" bIns="0" rtlCol="0" anchor="t">
-              <a:spAutoFit/>
-            </a:bodyPr>
-            <a:lstStyle/>
-            <a:p>
-              <a:pPr marL="0" lvl="0" indent="0" algn="l">
-                <a:lnSpc>
-                  <a:spcPts val="2271"/>
-                </a:lnSpc>
-                <a:spcBef>
-                  <a:spcPct val="0"/>
-                </a:spcBef>
-              </a:pPr>
-              <a:r>
-                <a:rPr lang="en-US" sz="1599">
-                  <a:solidFill>
-                    <a:srgbClr val="000000"/>
-                  </a:solidFill>
-                  <a:latin typeface="Clear Sans Regular"/>
-                </a:rPr>
-                <a:t>Презентации</a:t>
-              </a:r>
-              <a:r>
-                <a:rPr lang="en-US" sz="1599" u="none">
-                  <a:solidFill>
-                    <a:srgbClr val="000000"/>
-                  </a:solidFill>
-                  <a:latin typeface="Clear Sans Regular"/>
-                </a:rPr>
-                <a:t> — это средства коммуникации, которые могут использоваться в качестве лекций.</a:t>
-              </a:r>
-            </a:p>
-          </p:txBody>
-        </p:sp>
-      </p:grpSp>
-      <p:grpSp>
-        <p:nvGrpSpPr>
-          <p:cNvPr id="23" name="Group 23"/>
-          <p:cNvGrpSpPr/>
-          <p:nvPr/>
-        </p:nvGrpSpPr>
-        <p:grpSpPr>
-          <a:xfrm>
-            <a:off x="4173196" y="491698"/>
-            <a:ext cx="2717782" cy="1896862"/>
-            <a:chOff x="0" y="0"/>
-            <a:chExt cx="3623709" cy="2529150"/>
-          </a:xfrm>
-        </p:grpSpPr>
-        <p:sp>
-          <p:nvSpPr>
-            <p:cNvPr id="24" name="TextBox 24"/>
-            <p:cNvSpPr txBox="1"/>
-            <p:nvPr/>
-          </p:nvSpPr>
-          <p:spPr>
-            <a:xfrm>
-              <a:off x="0" y="-28575"/>
-              <a:ext cx="3623709" cy="511531"/>
-            </a:xfrm>
-            <a:prstGeom prst="rect">
-              <a:avLst/>
-            </a:prstGeom>
-          </p:spPr>
-          <p:txBody>
-            <a:bodyPr lIns="0" tIns="0" rIns="0" bIns="0" rtlCol="0" anchor="t">
-              <a:spAutoFit/>
-            </a:bodyPr>
-            <a:lstStyle/>
-            <a:p>
-              <a:pPr marL="0" lvl="0" indent="0">
-                <a:lnSpc>
-                  <a:spcPts val="3119"/>
-                </a:lnSpc>
-                <a:spcBef>
-                  <a:spcPct val="0"/>
-                </a:spcBef>
-              </a:pPr>
-              <a:r>
-                <a:rPr lang="en-US" sz="2399" spc="-23">
-                  <a:solidFill>
-                    <a:srgbClr val="000000"/>
-                  </a:solidFill>
-                  <a:latin typeface="HK Grotesk Bold Bold"/>
-                </a:rPr>
-                <a:t>Заголовок</a:t>
-              </a:r>
-            </a:p>
-          </p:txBody>
-        </p:sp>
-        <p:sp>
-          <p:nvSpPr>
-            <p:cNvPr id="25" name="TextBox 25"/>
-            <p:cNvSpPr txBox="1"/>
-            <p:nvPr/>
-          </p:nvSpPr>
-          <p:spPr>
-            <a:xfrm>
-              <a:off x="0" y="654931"/>
-              <a:ext cx="3623709" cy="1874219"/>
-            </a:xfrm>
-            <a:prstGeom prst="rect">
-              <a:avLst/>
-            </a:prstGeom>
-          </p:spPr>
-          <p:txBody>
-            <a:bodyPr lIns="0" tIns="0" rIns="0" bIns="0" rtlCol="0" anchor="t">
-              <a:spAutoFit/>
-            </a:bodyPr>
-            <a:lstStyle/>
-            <a:p>
-              <a:pPr marL="0" lvl="0" indent="0" algn="l">
-                <a:lnSpc>
-                  <a:spcPts val="2271"/>
-                </a:lnSpc>
-                <a:spcBef>
-                  <a:spcPct val="0"/>
-                </a:spcBef>
-              </a:pPr>
-              <a:r>
-                <a:rPr lang="en-US" sz="1599">
-                  <a:solidFill>
-                    <a:srgbClr val="000000"/>
-                  </a:solidFill>
-                  <a:latin typeface="Clear Sans Regular"/>
-                </a:rPr>
-                <a:t>Презентации</a:t>
-              </a:r>
-              <a:r>
-                <a:rPr lang="en-US" sz="1599" u="none">
-                  <a:solidFill>
-                    <a:srgbClr val="000000"/>
-                  </a:solidFill>
-                  <a:latin typeface="Clear Sans Regular"/>
-                </a:rPr>
-                <a:t> — это средства коммуникации, которые могут использоваться в качестве лекций.</a:t>
-              </a:r>
-            </a:p>
-          </p:txBody>
-        </p:sp>
-      </p:grpSp>
-      <p:grpSp>
-        <p:nvGrpSpPr>
-          <p:cNvPr id="26" name="Group 26"/>
-          <p:cNvGrpSpPr/>
-          <p:nvPr/>
-        </p:nvGrpSpPr>
-        <p:grpSpPr>
-          <a:xfrm>
-            <a:off x="7785109" y="491698"/>
-            <a:ext cx="2717782" cy="1900405"/>
-            <a:chOff x="0" y="0"/>
-            <a:chExt cx="3623709" cy="2533874"/>
-          </a:xfrm>
-        </p:grpSpPr>
-        <p:sp>
-          <p:nvSpPr>
-            <p:cNvPr id="27" name="TextBox 27"/>
-            <p:cNvSpPr txBox="1"/>
-            <p:nvPr/>
-          </p:nvSpPr>
-          <p:spPr>
-            <a:xfrm>
-              <a:off x="0" y="-28575"/>
-              <a:ext cx="3623709" cy="516255"/>
-            </a:xfrm>
-            <a:prstGeom prst="rect">
-              <a:avLst/>
-            </a:prstGeom>
-          </p:spPr>
-          <p:txBody>
-            <a:bodyPr lIns="0" tIns="0" rIns="0" bIns="0" rtlCol="0" anchor="t">
-              <a:spAutoFit/>
-            </a:bodyPr>
-            <a:lstStyle/>
-            <a:p>
-              <a:pPr marL="0" lvl="0" indent="0">
-                <a:lnSpc>
-                  <a:spcPts val="3120"/>
-                </a:lnSpc>
-                <a:spcBef>
-                  <a:spcPct val="0"/>
-                </a:spcBef>
-              </a:pPr>
-              <a:r>
-                <a:rPr lang="en-US" sz="2400" spc="-24">
-                  <a:solidFill>
-                    <a:srgbClr val="000000"/>
-                  </a:solidFill>
-                  <a:latin typeface="HK Grotesk Bold Bold"/>
-                </a:rPr>
-                <a:t>Заголовок</a:t>
-              </a:r>
-            </a:p>
-          </p:txBody>
-        </p:sp>
-        <p:sp>
-          <p:nvSpPr>
-            <p:cNvPr id="28" name="TextBox 28"/>
-            <p:cNvSpPr txBox="1"/>
-            <p:nvPr/>
-          </p:nvSpPr>
-          <p:spPr>
-            <a:xfrm>
-              <a:off x="0" y="659655"/>
-              <a:ext cx="3623709" cy="1874219"/>
-            </a:xfrm>
-            <a:prstGeom prst="rect">
-              <a:avLst/>
-            </a:prstGeom>
-          </p:spPr>
-          <p:txBody>
-            <a:bodyPr lIns="0" tIns="0" rIns="0" bIns="0" rtlCol="0" anchor="t">
-              <a:spAutoFit/>
-            </a:bodyPr>
-            <a:lstStyle/>
-            <a:p>
-              <a:pPr marL="0" lvl="0" indent="0" algn="l">
-                <a:lnSpc>
-                  <a:spcPts val="2271"/>
-                </a:lnSpc>
-                <a:spcBef>
-                  <a:spcPct val="0"/>
-                </a:spcBef>
-              </a:pPr>
-              <a:r>
-                <a:rPr lang="en-US" sz="1599">
-                  <a:solidFill>
-                    <a:srgbClr val="000000"/>
-                  </a:solidFill>
-                  <a:latin typeface="Clear Sans Regular"/>
-                </a:rPr>
-                <a:t>Презентации</a:t>
-              </a:r>
-              <a:r>
-                <a:rPr lang="en-US" sz="1599" u="none">
-                  <a:solidFill>
-                    <a:srgbClr val="000000"/>
-                  </a:solidFill>
-                  <a:latin typeface="Clear Sans Regular"/>
-                </a:rPr>
-                <a:t> — это средства коммуникации, которые могут использоваться в качестве лекций.</a:t>
-              </a:r>
-            </a:p>
-          </p:txBody>
-        </p:sp>
-      </p:grpSp>
-      <p:grpSp>
-        <p:nvGrpSpPr>
-          <p:cNvPr id="29" name="Group 29"/>
-          <p:cNvGrpSpPr/>
-          <p:nvPr/>
-        </p:nvGrpSpPr>
-        <p:grpSpPr>
-          <a:xfrm>
-            <a:off x="11395404" y="491698"/>
-            <a:ext cx="2717782" cy="1900405"/>
-            <a:chOff x="0" y="0"/>
-            <a:chExt cx="3623709" cy="2533874"/>
-          </a:xfrm>
-        </p:grpSpPr>
-        <p:sp>
-          <p:nvSpPr>
-            <p:cNvPr id="30" name="TextBox 30"/>
-            <p:cNvSpPr txBox="1"/>
-            <p:nvPr/>
-          </p:nvSpPr>
-          <p:spPr>
-            <a:xfrm>
-              <a:off x="0" y="-28575"/>
-              <a:ext cx="3623709" cy="516255"/>
-            </a:xfrm>
-            <a:prstGeom prst="rect">
-              <a:avLst/>
-            </a:prstGeom>
-          </p:spPr>
-          <p:txBody>
-            <a:bodyPr lIns="0" tIns="0" rIns="0" bIns="0" rtlCol="0" anchor="t">
-              <a:spAutoFit/>
-            </a:bodyPr>
-            <a:lstStyle/>
-            <a:p>
-              <a:pPr marL="0" lvl="0" indent="0">
-                <a:lnSpc>
-                  <a:spcPts val="3120"/>
-                </a:lnSpc>
-                <a:spcBef>
-                  <a:spcPct val="0"/>
-                </a:spcBef>
-              </a:pPr>
-              <a:r>
-                <a:rPr lang="en-US" sz="2400" spc="-24">
-                  <a:solidFill>
-                    <a:srgbClr val="000000"/>
-                  </a:solidFill>
-                  <a:latin typeface="HK Grotesk Bold Bold"/>
-                </a:rPr>
-                <a:t>Заголовок</a:t>
-              </a:r>
-            </a:p>
-          </p:txBody>
-        </p:sp>
-        <p:sp>
-          <p:nvSpPr>
-            <p:cNvPr id="31" name="TextBox 31"/>
-            <p:cNvSpPr txBox="1"/>
-            <p:nvPr/>
-          </p:nvSpPr>
-          <p:spPr>
-            <a:xfrm>
-              <a:off x="0" y="659655"/>
-              <a:ext cx="3623709" cy="1874219"/>
-            </a:xfrm>
-            <a:prstGeom prst="rect">
-              <a:avLst/>
-            </a:prstGeom>
-          </p:spPr>
-          <p:txBody>
-            <a:bodyPr lIns="0" tIns="0" rIns="0" bIns="0" rtlCol="0" anchor="t">
-              <a:spAutoFit/>
-            </a:bodyPr>
-            <a:lstStyle/>
-            <a:p>
-              <a:pPr marL="0" lvl="0" indent="0" algn="l">
-                <a:lnSpc>
-                  <a:spcPts val="2271"/>
-                </a:lnSpc>
-                <a:spcBef>
-                  <a:spcPct val="0"/>
-                </a:spcBef>
-              </a:pPr>
-              <a:r>
-                <a:rPr lang="en-US" sz="1599">
-                  <a:solidFill>
-                    <a:srgbClr val="000000"/>
-                  </a:solidFill>
-                  <a:latin typeface="Clear Sans Regular"/>
-                </a:rPr>
-                <a:t>Презентации</a:t>
-              </a:r>
-              <a:r>
-                <a:rPr lang="en-US" sz="1599" u="none">
-                  <a:solidFill>
-                    <a:srgbClr val="000000"/>
-                  </a:solidFill>
-                  <a:latin typeface="Clear Sans Regular"/>
-                </a:rPr>
-                <a:t> — это средства коммуникации, которые могут использоваться в качестве лекций.</a:t>
-              </a:r>
-            </a:p>
-          </p:txBody>
-        </p:sp>
-      </p:grpSp>
-      <p:grpSp>
-        <p:nvGrpSpPr>
-          <p:cNvPr id="32" name="Group 32"/>
-          <p:cNvGrpSpPr/>
-          <p:nvPr/>
-        </p:nvGrpSpPr>
-        <p:grpSpPr>
-          <a:xfrm>
-            <a:off x="15006508" y="509693"/>
-            <a:ext cx="2717782" cy="1900405"/>
-            <a:chOff x="0" y="0"/>
-            <a:chExt cx="3623709" cy="2533874"/>
-          </a:xfrm>
-        </p:grpSpPr>
-        <p:sp>
-          <p:nvSpPr>
-            <p:cNvPr id="33" name="TextBox 33"/>
-            <p:cNvSpPr txBox="1"/>
-            <p:nvPr/>
-          </p:nvSpPr>
-          <p:spPr>
-            <a:xfrm>
-              <a:off x="0" y="-28575"/>
-              <a:ext cx="3623709" cy="516255"/>
-            </a:xfrm>
-            <a:prstGeom prst="rect">
-              <a:avLst/>
-            </a:prstGeom>
-          </p:spPr>
-          <p:txBody>
-            <a:bodyPr lIns="0" tIns="0" rIns="0" bIns="0" rtlCol="0" anchor="t">
-              <a:spAutoFit/>
-            </a:bodyPr>
-            <a:lstStyle/>
-            <a:p>
-              <a:pPr marL="0" lvl="0" indent="0">
-                <a:lnSpc>
-                  <a:spcPts val="3120"/>
-                </a:lnSpc>
-                <a:spcBef>
-                  <a:spcPct val="0"/>
-                </a:spcBef>
-              </a:pPr>
-              <a:r>
-                <a:rPr lang="en-US" sz="2400" spc="-24">
-                  <a:solidFill>
-                    <a:srgbClr val="000000"/>
-                  </a:solidFill>
-                  <a:latin typeface="HK Grotesk Bold Bold"/>
-                </a:rPr>
-                <a:t>Заголовок</a:t>
-              </a:r>
-            </a:p>
-          </p:txBody>
-        </p:sp>
-        <p:sp>
-          <p:nvSpPr>
-            <p:cNvPr id="34" name="TextBox 34"/>
-            <p:cNvSpPr txBox="1"/>
-            <p:nvPr/>
-          </p:nvSpPr>
-          <p:spPr>
-            <a:xfrm>
-              <a:off x="0" y="659655"/>
-              <a:ext cx="3623709" cy="1874219"/>
-            </a:xfrm>
-            <a:prstGeom prst="rect">
-              <a:avLst/>
-            </a:prstGeom>
-          </p:spPr>
-          <p:txBody>
-            <a:bodyPr lIns="0" tIns="0" rIns="0" bIns="0" rtlCol="0" anchor="t">
-              <a:spAutoFit/>
-            </a:bodyPr>
-            <a:lstStyle/>
-            <a:p>
-              <a:pPr marL="0" lvl="0" indent="0" algn="l">
-                <a:lnSpc>
-                  <a:spcPts val="2271"/>
-                </a:lnSpc>
-                <a:spcBef>
-                  <a:spcPct val="0"/>
-                </a:spcBef>
-              </a:pPr>
-              <a:r>
-                <a:rPr lang="en-US" sz="1599">
-                  <a:solidFill>
-                    <a:srgbClr val="000000"/>
-                  </a:solidFill>
-                  <a:latin typeface="Clear Sans Regular"/>
-                </a:rPr>
-                <a:t>Презентации</a:t>
-              </a:r>
-              <a:r>
-                <a:rPr lang="en-US" sz="1599" u="none">
-                  <a:solidFill>
-                    <a:srgbClr val="000000"/>
-                  </a:solidFill>
-                  <a:latin typeface="Clear Sans Regular"/>
-                </a:rPr>
-                <a:t> — это средства коммуникации, которые могут использоваться в качестве лекций.</a:t>
-              </a:r>
-            </a:p>
-          </p:txBody>
-        </p:sp>
-      </p:grpSp>
-      <p:grpSp>
-        <p:nvGrpSpPr>
-          <p:cNvPr id="35" name="Group 35"/>
-          <p:cNvGrpSpPr/>
-          <p:nvPr/>
-        </p:nvGrpSpPr>
-        <p:grpSpPr>
-          <a:xfrm>
-            <a:off x="562092" y="4075118"/>
-            <a:ext cx="2717782" cy="1896862"/>
-            <a:chOff x="0" y="0"/>
-            <a:chExt cx="3623709" cy="2529150"/>
-          </a:xfrm>
-        </p:grpSpPr>
-        <p:sp>
-          <p:nvSpPr>
-            <p:cNvPr id="36" name="TextBox 36"/>
-            <p:cNvSpPr txBox="1"/>
-            <p:nvPr/>
-          </p:nvSpPr>
-          <p:spPr>
-            <a:xfrm>
-              <a:off x="0" y="-28575"/>
-              <a:ext cx="3623709" cy="511531"/>
-            </a:xfrm>
-            <a:prstGeom prst="rect">
-              <a:avLst/>
-            </a:prstGeom>
-          </p:spPr>
-          <p:txBody>
-            <a:bodyPr lIns="0" tIns="0" rIns="0" bIns="0" rtlCol="0" anchor="t">
-              <a:spAutoFit/>
-            </a:bodyPr>
-            <a:lstStyle/>
-            <a:p>
-              <a:pPr marL="0" lvl="0" indent="0">
-                <a:lnSpc>
-                  <a:spcPts val="3119"/>
-                </a:lnSpc>
-                <a:spcBef>
-                  <a:spcPct val="0"/>
-                </a:spcBef>
-              </a:pPr>
-              <a:r>
-                <a:rPr lang="en-US" sz="2399" spc="-23">
-                  <a:solidFill>
-                    <a:srgbClr val="000000"/>
-                  </a:solidFill>
-                  <a:latin typeface="HK Grotesk Bold Bold"/>
-                </a:rPr>
-                <a:t>Заголовок</a:t>
-              </a:r>
-            </a:p>
-          </p:txBody>
-        </p:sp>
-        <p:sp>
-          <p:nvSpPr>
-            <p:cNvPr id="37" name="TextBox 37"/>
-            <p:cNvSpPr txBox="1"/>
-            <p:nvPr/>
-          </p:nvSpPr>
-          <p:spPr>
-            <a:xfrm>
-              <a:off x="0" y="654931"/>
-              <a:ext cx="3623709" cy="1874219"/>
-            </a:xfrm>
-            <a:prstGeom prst="rect">
-              <a:avLst/>
-            </a:prstGeom>
-          </p:spPr>
-          <p:txBody>
-            <a:bodyPr lIns="0" tIns="0" rIns="0" bIns="0" rtlCol="0" anchor="t">
-              <a:spAutoFit/>
-            </a:bodyPr>
-            <a:lstStyle/>
-            <a:p>
-              <a:pPr marL="0" lvl="0" indent="0" algn="l">
-                <a:lnSpc>
-                  <a:spcPts val="2271"/>
-                </a:lnSpc>
-                <a:spcBef>
-                  <a:spcPct val="0"/>
-                </a:spcBef>
-              </a:pPr>
-              <a:r>
-                <a:rPr lang="en-US" sz="1599" dirty="0" err="1">
-                  <a:solidFill>
-                    <a:srgbClr val="000000"/>
-                  </a:solidFill>
-                  <a:latin typeface="Clear Sans Regular"/>
-                </a:rPr>
-                <a:t>Презентации</a:t>
-              </a:r>
-              <a:r>
-                <a:rPr lang="en-US" sz="1599" u="none" dirty="0">
-                  <a:solidFill>
-                    <a:srgbClr val="000000"/>
-                  </a:solidFill>
-                  <a:latin typeface="Clear Sans Regular"/>
-                </a:rPr>
-                <a:t> — </a:t>
-              </a:r>
-              <a:r>
-                <a:rPr lang="en-US" sz="1599" u="none" dirty="0" err="1">
-                  <a:solidFill>
-                    <a:srgbClr val="000000"/>
-                  </a:solidFill>
-                  <a:latin typeface="Clear Sans Regular"/>
-                </a:rPr>
-                <a:t>это</a:t>
-              </a:r>
-              <a:r>
-                <a:rPr lang="en-US" sz="1599" u="none" dirty="0">
-                  <a:solidFill>
-                    <a:srgbClr val="000000"/>
-                  </a:solidFill>
-                  <a:latin typeface="Clear Sans Regular"/>
-                </a:rPr>
-                <a:t> </a:t>
-              </a:r>
-              <a:r>
-                <a:rPr lang="en-US" sz="1599" u="none" dirty="0" err="1">
-                  <a:solidFill>
-                    <a:srgbClr val="000000"/>
-                  </a:solidFill>
-                  <a:latin typeface="Clear Sans Regular"/>
-                </a:rPr>
-                <a:t>средства</a:t>
-              </a:r>
-              <a:r>
-                <a:rPr lang="en-US" sz="1599" u="none" dirty="0">
-                  <a:solidFill>
-                    <a:srgbClr val="000000"/>
-                  </a:solidFill>
-                  <a:latin typeface="Clear Sans Regular"/>
-                </a:rPr>
-                <a:t> </a:t>
-              </a:r>
-              <a:r>
-                <a:rPr lang="en-US" sz="1599" u="none" dirty="0" err="1">
-                  <a:solidFill>
-                    <a:srgbClr val="000000"/>
-                  </a:solidFill>
-                  <a:latin typeface="Clear Sans Regular"/>
-                </a:rPr>
-                <a:t>коммуникации</a:t>
-              </a:r>
-              <a:r>
-                <a:rPr lang="en-US" sz="1599" u="none" dirty="0">
-                  <a:solidFill>
-                    <a:srgbClr val="000000"/>
-                  </a:solidFill>
-                  <a:latin typeface="Clear Sans Regular"/>
-                </a:rPr>
-                <a:t>, </a:t>
-              </a:r>
-              <a:r>
-                <a:rPr lang="en-US" sz="1599" u="none" dirty="0" err="1">
-                  <a:solidFill>
-                    <a:srgbClr val="000000"/>
-                  </a:solidFill>
-                  <a:latin typeface="Clear Sans Regular"/>
-                </a:rPr>
-                <a:t>которые</a:t>
-              </a:r>
-              <a:r>
-                <a:rPr lang="en-US" sz="1599" u="none" dirty="0">
-                  <a:solidFill>
-                    <a:srgbClr val="000000"/>
-                  </a:solidFill>
-                  <a:latin typeface="Clear Sans Regular"/>
-                </a:rPr>
-                <a:t> </a:t>
-              </a:r>
-              <a:r>
-                <a:rPr lang="en-US" sz="1599" u="none" dirty="0" err="1">
-                  <a:solidFill>
-                    <a:srgbClr val="000000"/>
-                  </a:solidFill>
-                  <a:latin typeface="Clear Sans Regular"/>
-                </a:rPr>
-                <a:t>могут</a:t>
-              </a:r>
-              <a:r>
-                <a:rPr lang="en-US" sz="1599" u="none" dirty="0">
-                  <a:solidFill>
-                    <a:srgbClr val="000000"/>
-                  </a:solidFill>
-                  <a:latin typeface="Clear Sans Regular"/>
-                </a:rPr>
-                <a:t> </a:t>
-              </a:r>
-              <a:r>
-                <a:rPr lang="en-US" sz="1599" u="none" dirty="0" err="1">
-                  <a:solidFill>
-                    <a:srgbClr val="000000"/>
-                  </a:solidFill>
-                  <a:latin typeface="Clear Sans Regular"/>
-                </a:rPr>
-                <a:t>использоваться</a:t>
-              </a:r>
-              <a:r>
-                <a:rPr lang="en-US" sz="1599" u="none" dirty="0">
-                  <a:solidFill>
-                    <a:srgbClr val="000000"/>
-                  </a:solidFill>
-                  <a:latin typeface="Clear Sans Regular"/>
-                </a:rPr>
-                <a:t> в </a:t>
-              </a:r>
-              <a:r>
-                <a:rPr lang="en-US" sz="1599" u="none" dirty="0" err="1">
-                  <a:solidFill>
-                    <a:srgbClr val="000000"/>
-                  </a:solidFill>
-                  <a:latin typeface="Clear Sans Regular"/>
-                </a:rPr>
-                <a:t>качестве</a:t>
-              </a:r>
-              <a:r>
-                <a:rPr lang="en-US" sz="1599" u="none" dirty="0">
-                  <a:solidFill>
-                    <a:srgbClr val="000000"/>
-                  </a:solidFill>
-                  <a:latin typeface="Clear Sans Regular"/>
-                </a:rPr>
-                <a:t> </a:t>
-              </a:r>
-              <a:r>
-                <a:rPr lang="en-US" sz="1599" u="none" dirty="0" err="1">
-                  <a:solidFill>
-                    <a:srgbClr val="000000"/>
-                  </a:solidFill>
-                  <a:latin typeface="Clear Sans Regular"/>
-                </a:rPr>
-                <a:t>лекций</a:t>
-              </a:r>
-              <a:r>
-                <a:rPr lang="en-US" sz="1599" u="none" dirty="0">
-                  <a:solidFill>
-                    <a:srgbClr val="000000"/>
-                  </a:solidFill>
-                  <a:latin typeface="Clear Sans Regular"/>
-                </a:rPr>
-                <a:t>.</a:t>
-              </a:r>
-            </a:p>
-          </p:txBody>
-        </p:sp>
-      </p:grpSp>
-      <p:grpSp>
-        <p:nvGrpSpPr>
-          <p:cNvPr id="38" name="Group 38"/>
-          <p:cNvGrpSpPr/>
-          <p:nvPr/>
-        </p:nvGrpSpPr>
-        <p:grpSpPr>
-          <a:xfrm>
-            <a:off x="4173196" y="4404535"/>
-            <a:ext cx="2717782" cy="1896862"/>
-            <a:chOff x="0" y="0"/>
-            <a:chExt cx="3623709" cy="2529150"/>
-          </a:xfrm>
-        </p:grpSpPr>
-        <p:sp>
-          <p:nvSpPr>
-            <p:cNvPr id="39" name="TextBox 39"/>
-            <p:cNvSpPr txBox="1"/>
-            <p:nvPr/>
-          </p:nvSpPr>
-          <p:spPr>
-            <a:xfrm>
-              <a:off x="0" y="-28575"/>
-              <a:ext cx="3623709" cy="511531"/>
-            </a:xfrm>
-            <a:prstGeom prst="rect">
-              <a:avLst/>
-            </a:prstGeom>
-          </p:spPr>
-          <p:txBody>
-            <a:bodyPr lIns="0" tIns="0" rIns="0" bIns="0" rtlCol="0" anchor="t">
-              <a:spAutoFit/>
-            </a:bodyPr>
-            <a:lstStyle/>
-            <a:p>
-              <a:pPr marL="0" lvl="0" indent="0">
-                <a:lnSpc>
-                  <a:spcPts val="3119"/>
-                </a:lnSpc>
-                <a:spcBef>
-                  <a:spcPct val="0"/>
-                </a:spcBef>
-              </a:pPr>
-              <a:r>
-                <a:rPr lang="en-US" sz="2399" spc="-23">
-                  <a:solidFill>
-                    <a:srgbClr val="000000"/>
-                  </a:solidFill>
-                  <a:latin typeface="HK Grotesk Bold Bold"/>
-                </a:rPr>
-                <a:t>Заголовок</a:t>
-              </a:r>
-            </a:p>
-          </p:txBody>
-        </p:sp>
-        <p:sp>
-          <p:nvSpPr>
-            <p:cNvPr id="40" name="TextBox 40"/>
-            <p:cNvSpPr txBox="1"/>
-            <p:nvPr/>
-          </p:nvSpPr>
-          <p:spPr>
-            <a:xfrm>
-              <a:off x="0" y="654931"/>
-              <a:ext cx="3623709" cy="1874219"/>
-            </a:xfrm>
-            <a:prstGeom prst="rect">
-              <a:avLst/>
-            </a:prstGeom>
-          </p:spPr>
-          <p:txBody>
-            <a:bodyPr lIns="0" tIns="0" rIns="0" bIns="0" rtlCol="0" anchor="t">
-              <a:spAutoFit/>
-            </a:bodyPr>
-            <a:lstStyle/>
-            <a:p>
-              <a:pPr marL="0" lvl="0" indent="0" algn="l">
-                <a:lnSpc>
-                  <a:spcPts val="2271"/>
-                </a:lnSpc>
-                <a:spcBef>
-                  <a:spcPct val="0"/>
-                </a:spcBef>
-              </a:pPr>
-              <a:r>
-                <a:rPr lang="en-US" sz="1599" dirty="0" err="1">
-                  <a:solidFill>
-                    <a:srgbClr val="000000"/>
-                  </a:solidFill>
-                  <a:latin typeface="Clear Sans Regular"/>
-                </a:rPr>
-                <a:t>Презентации</a:t>
-              </a:r>
-              <a:r>
-                <a:rPr lang="en-US" sz="1599" u="none" dirty="0">
-                  <a:solidFill>
-                    <a:srgbClr val="000000"/>
-                  </a:solidFill>
-                  <a:latin typeface="Clear Sans Regular"/>
-                </a:rPr>
-                <a:t> — </a:t>
-              </a:r>
-              <a:r>
-                <a:rPr lang="en-US" sz="1599" u="none" dirty="0" err="1">
-                  <a:solidFill>
-                    <a:srgbClr val="000000"/>
-                  </a:solidFill>
-                  <a:latin typeface="Clear Sans Regular"/>
-                </a:rPr>
-                <a:t>это</a:t>
-              </a:r>
-              <a:r>
-                <a:rPr lang="en-US" sz="1599" u="none" dirty="0">
-                  <a:solidFill>
-                    <a:srgbClr val="000000"/>
-                  </a:solidFill>
-                  <a:latin typeface="Clear Sans Regular"/>
-                </a:rPr>
-                <a:t> </a:t>
-              </a:r>
-              <a:r>
-                <a:rPr lang="en-US" sz="1599" u="none" dirty="0" err="1">
-                  <a:solidFill>
-                    <a:srgbClr val="000000"/>
-                  </a:solidFill>
-                  <a:latin typeface="Clear Sans Regular"/>
-                </a:rPr>
-                <a:t>средства</a:t>
-              </a:r>
-              <a:r>
-                <a:rPr lang="en-US" sz="1599" u="none" dirty="0">
-                  <a:solidFill>
-                    <a:srgbClr val="000000"/>
-                  </a:solidFill>
-                  <a:latin typeface="Clear Sans Regular"/>
-                </a:rPr>
-                <a:t> </a:t>
-              </a:r>
-              <a:r>
-                <a:rPr lang="en-US" sz="1599" u="none" dirty="0" err="1">
-                  <a:solidFill>
-                    <a:srgbClr val="000000"/>
-                  </a:solidFill>
-                  <a:latin typeface="Clear Sans Regular"/>
-                </a:rPr>
-                <a:t>коммуникации</a:t>
-              </a:r>
-              <a:r>
-                <a:rPr lang="en-US" sz="1599" u="none" dirty="0">
-                  <a:solidFill>
-                    <a:srgbClr val="000000"/>
-                  </a:solidFill>
-                  <a:latin typeface="Clear Sans Regular"/>
-                </a:rPr>
-                <a:t>, </a:t>
-              </a:r>
-              <a:r>
-                <a:rPr lang="en-US" sz="1599" u="none" dirty="0" err="1">
-                  <a:solidFill>
-                    <a:srgbClr val="000000"/>
-                  </a:solidFill>
-                  <a:latin typeface="Clear Sans Regular"/>
-                </a:rPr>
-                <a:t>которые</a:t>
-              </a:r>
-              <a:r>
-                <a:rPr lang="en-US" sz="1599" u="none" dirty="0">
-                  <a:solidFill>
-                    <a:srgbClr val="000000"/>
-                  </a:solidFill>
-                  <a:latin typeface="Clear Sans Regular"/>
-                </a:rPr>
-                <a:t> </a:t>
-              </a:r>
-              <a:r>
-                <a:rPr lang="en-US" sz="1599" u="none" dirty="0" err="1">
-                  <a:solidFill>
-                    <a:srgbClr val="000000"/>
-                  </a:solidFill>
-                  <a:latin typeface="Clear Sans Regular"/>
-                </a:rPr>
-                <a:t>могут</a:t>
-              </a:r>
-              <a:r>
-                <a:rPr lang="en-US" sz="1599" u="none" dirty="0">
-                  <a:solidFill>
-                    <a:srgbClr val="000000"/>
-                  </a:solidFill>
-                  <a:latin typeface="Clear Sans Regular"/>
-                </a:rPr>
-                <a:t> </a:t>
-              </a:r>
-              <a:r>
-                <a:rPr lang="en-US" sz="1599" u="none" dirty="0" err="1">
-                  <a:solidFill>
-                    <a:srgbClr val="000000"/>
-                  </a:solidFill>
-                  <a:latin typeface="Clear Sans Regular"/>
-                </a:rPr>
-                <a:t>использоваться</a:t>
-              </a:r>
-              <a:r>
-                <a:rPr lang="en-US" sz="1599" u="none" dirty="0">
-                  <a:solidFill>
-                    <a:srgbClr val="000000"/>
-                  </a:solidFill>
-                  <a:latin typeface="Clear Sans Regular"/>
-                </a:rPr>
-                <a:t> в </a:t>
-              </a:r>
-              <a:r>
-                <a:rPr lang="en-US" sz="1599" u="none" dirty="0" err="1">
-                  <a:solidFill>
-                    <a:srgbClr val="000000"/>
-                  </a:solidFill>
-                  <a:latin typeface="Clear Sans Regular"/>
-                </a:rPr>
-                <a:t>качестве</a:t>
-              </a:r>
-              <a:r>
-                <a:rPr lang="en-US" sz="1599" u="none" dirty="0">
-                  <a:solidFill>
-                    <a:srgbClr val="000000"/>
-                  </a:solidFill>
-                  <a:latin typeface="Clear Sans Regular"/>
-                </a:rPr>
-                <a:t> </a:t>
-              </a:r>
-              <a:r>
-                <a:rPr lang="en-US" sz="1599" u="none" dirty="0" err="1">
-                  <a:solidFill>
-                    <a:srgbClr val="000000"/>
-                  </a:solidFill>
-                  <a:latin typeface="Clear Sans Regular"/>
-                </a:rPr>
-                <a:t>лекций</a:t>
-              </a:r>
-              <a:r>
-                <a:rPr lang="en-US" sz="1599" u="none" dirty="0">
-                  <a:solidFill>
-                    <a:srgbClr val="000000"/>
-                  </a:solidFill>
-                  <a:latin typeface="Clear Sans Regular"/>
-                </a:rPr>
-                <a:t>.</a:t>
-              </a:r>
-            </a:p>
-          </p:txBody>
-        </p:sp>
-      </p:grpSp>
-      <p:grpSp>
-        <p:nvGrpSpPr>
-          <p:cNvPr id="41" name="Group 41"/>
-          <p:cNvGrpSpPr/>
-          <p:nvPr/>
-        </p:nvGrpSpPr>
-        <p:grpSpPr>
-          <a:xfrm>
-            <a:off x="7784300" y="4075118"/>
-            <a:ext cx="2717782" cy="1896862"/>
-            <a:chOff x="0" y="0"/>
-            <a:chExt cx="3623709" cy="2529150"/>
-          </a:xfrm>
-        </p:grpSpPr>
-        <p:sp>
-          <p:nvSpPr>
-            <p:cNvPr id="42" name="TextBox 42"/>
-            <p:cNvSpPr txBox="1"/>
-            <p:nvPr/>
-          </p:nvSpPr>
-          <p:spPr>
-            <a:xfrm>
-              <a:off x="0" y="-28575"/>
-              <a:ext cx="3623709" cy="511531"/>
-            </a:xfrm>
-            <a:prstGeom prst="rect">
-              <a:avLst/>
-            </a:prstGeom>
-          </p:spPr>
-          <p:txBody>
-            <a:bodyPr lIns="0" tIns="0" rIns="0" bIns="0" rtlCol="0" anchor="t">
-              <a:spAutoFit/>
-            </a:bodyPr>
-            <a:lstStyle/>
-            <a:p>
-              <a:pPr marL="0" lvl="0" indent="0">
-                <a:lnSpc>
-                  <a:spcPts val="3119"/>
-                </a:lnSpc>
-                <a:spcBef>
-                  <a:spcPct val="0"/>
-                </a:spcBef>
-              </a:pPr>
-              <a:r>
-                <a:rPr lang="en-US" sz="2399" spc="-23">
-                  <a:solidFill>
-                    <a:srgbClr val="000000"/>
-                  </a:solidFill>
-                  <a:latin typeface="HK Grotesk Bold Bold"/>
-                </a:rPr>
-                <a:t>Заголовок</a:t>
-              </a:r>
-            </a:p>
-          </p:txBody>
-        </p:sp>
-        <p:sp>
-          <p:nvSpPr>
-            <p:cNvPr id="43" name="TextBox 43"/>
-            <p:cNvSpPr txBox="1"/>
-            <p:nvPr/>
-          </p:nvSpPr>
-          <p:spPr>
-            <a:xfrm>
-              <a:off x="0" y="654931"/>
-              <a:ext cx="3623709" cy="1874219"/>
-            </a:xfrm>
-            <a:prstGeom prst="rect">
-              <a:avLst/>
-            </a:prstGeom>
-          </p:spPr>
-          <p:txBody>
-            <a:bodyPr lIns="0" tIns="0" rIns="0" bIns="0" rtlCol="0" anchor="t">
-              <a:spAutoFit/>
-            </a:bodyPr>
-            <a:lstStyle/>
-            <a:p>
-              <a:pPr marL="0" lvl="0" indent="0" algn="l">
-                <a:lnSpc>
-                  <a:spcPts val="2271"/>
-                </a:lnSpc>
-                <a:spcBef>
-                  <a:spcPct val="0"/>
-                </a:spcBef>
-              </a:pPr>
-              <a:r>
-                <a:rPr lang="en-US" sz="1599">
-                  <a:solidFill>
-                    <a:srgbClr val="000000"/>
-                  </a:solidFill>
-                  <a:latin typeface="Clear Sans Regular"/>
-                </a:rPr>
-                <a:t>Презентации</a:t>
-              </a:r>
-              <a:r>
-                <a:rPr lang="en-US" sz="1599" u="none">
-                  <a:solidFill>
-                    <a:srgbClr val="000000"/>
-                  </a:solidFill>
-                  <a:latin typeface="Clear Sans Regular"/>
-                </a:rPr>
-                <a:t> — это средства коммуникации, которые могут использоваться в качестве лекций.</a:t>
-              </a:r>
-            </a:p>
-          </p:txBody>
-        </p:sp>
-      </p:grpSp>
-      <p:grpSp>
-        <p:nvGrpSpPr>
-          <p:cNvPr id="44" name="Group 44"/>
-          <p:cNvGrpSpPr/>
-          <p:nvPr/>
-        </p:nvGrpSpPr>
-        <p:grpSpPr>
-          <a:xfrm>
-            <a:off x="11395404" y="4404535"/>
-            <a:ext cx="2717782" cy="1896862"/>
-            <a:chOff x="0" y="0"/>
-            <a:chExt cx="3623709" cy="2529150"/>
-          </a:xfrm>
-        </p:grpSpPr>
-        <p:sp>
-          <p:nvSpPr>
-            <p:cNvPr id="45" name="TextBox 45"/>
-            <p:cNvSpPr txBox="1"/>
-            <p:nvPr/>
-          </p:nvSpPr>
-          <p:spPr>
-            <a:xfrm>
-              <a:off x="0" y="-28575"/>
-              <a:ext cx="3623709" cy="511531"/>
-            </a:xfrm>
-            <a:prstGeom prst="rect">
-              <a:avLst/>
-            </a:prstGeom>
-          </p:spPr>
-          <p:txBody>
-            <a:bodyPr lIns="0" tIns="0" rIns="0" bIns="0" rtlCol="0" anchor="t">
-              <a:spAutoFit/>
-            </a:bodyPr>
-            <a:lstStyle/>
-            <a:p>
-              <a:pPr marL="0" lvl="0" indent="0">
-                <a:lnSpc>
-                  <a:spcPts val="3119"/>
-                </a:lnSpc>
-                <a:spcBef>
-                  <a:spcPct val="0"/>
-                </a:spcBef>
-              </a:pPr>
-              <a:r>
-                <a:rPr lang="en-US" sz="2399" spc="-23">
-                  <a:solidFill>
-                    <a:srgbClr val="000000"/>
-                  </a:solidFill>
-                  <a:latin typeface="HK Grotesk Bold Bold"/>
-                </a:rPr>
-                <a:t>Заголовок</a:t>
-              </a:r>
-            </a:p>
-          </p:txBody>
-        </p:sp>
-        <p:sp>
-          <p:nvSpPr>
-            <p:cNvPr id="46" name="TextBox 46"/>
-            <p:cNvSpPr txBox="1"/>
-            <p:nvPr/>
-          </p:nvSpPr>
-          <p:spPr>
-            <a:xfrm>
-              <a:off x="0" y="654931"/>
-              <a:ext cx="3623709" cy="1874219"/>
-            </a:xfrm>
-            <a:prstGeom prst="rect">
-              <a:avLst/>
-            </a:prstGeom>
-          </p:spPr>
-          <p:txBody>
-            <a:bodyPr lIns="0" tIns="0" rIns="0" bIns="0" rtlCol="0" anchor="t">
-              <a:spAutoFit/>
-            </a:bodyPr>
-            <a:lstStyle/>
-            <a:p>
-              <a:pPr marL="0" lvl="0" indent="0" algn="l">
-                <a:lnSpc>
-                  <a:spcPts val="2271"/>
-                </a:lnSpc>
-                <a:spcBef>
-                  <a:spcPct val="0"/>
-                </a:spcBef>
-              </a:pPr>
-              <a:r>
-                <a:rPr lang="en-US" sz="1599">
-                  <a:solidFill>
-                    <a:srgbClr val="000000"/>
-                  </a:solidFill>
-                  <a:latin typeface="Clear Sans Regular"/>
-                </a:rPr>
-                <a:t>Презентации</a:t>
-              </a:r>
-              <a:r>
-                <a:rPr lang="en-US" sz="1599" u="none">
-                  <a:solidFill>
-                    <a:srgbClr val="000000"/>
-                  </a:solidFill>
-                  <a:latin typeface="Clear Sans Regular"/>
-                </a:rPr>
-                <a:t> — это средства коммуникации, которые могут использоваться в качестве лекций.</a:t>
-              </a:r>
-            </a:p>
-          </p:txBody>
-        </p:sp>
-      </p:grpSp>
-      <p:grpSp>
-        <p:nvGrpSpPr>
-          <p:cNvPr id="47" name="Group 47"/>
-          <p:cNvGrpSpPr/>
-          <p:nvPr/>
-        </p:nvGrpSpPr>
-        <p:grpSpPr>
-          <a:xfrm>
-            <a:off x="15006508" y="4075118"/>
-            <a:ext cx="2717782" cy="1900405"/>
-            <a:chOff x="0" y="0"/>
-            <a:chExt cx="3623709" cy="2533874"/>
-          </a:xfrm>
-        </p:grpSpPr>
-        <p:sp>
-          <p:nvSpPr>
-            <p:cNvPr id="48" name="TextBox 48"/>
-            <p:cNvSpPr txBox="1"/>
-            <p:nvPr/>
-          </p:nvSpPr>
-          <p:spPr>
-            <a:xfrm>
-              <a:off x="0" y="-28575"/>
-              <a:ext cx="3623709" cy="516255"/>
-            </a:xfrm>
-            <a:prstGeom prst="rect">
-              <a:avLst/>
-            </a:prstGeom>
-          </p:spPr>
-          <p:txBody>
-            <a:bodyPr lIns="0" tIns="0" rIns="0" bIns="0" rtlCol="0" anchor="t">
-              <a:spAutoFit/>
-            </a:bodyPr>
-            <a:lstStyle/>
-            <a:p>
-              <a:pPr marL="0" lvl="0" indent="0">
-                <a:lnSpc>
-                  <a:spcPts val="3120"/>
-                </a:lnSpc>
-                <a:spcBef>
-                  <a:spcPct val="0"/>
-                </a:spcBef>
-              </a:pPr>
-              <a:r>
-                <a:rPr lang="en-US" sz="2400" spc="-24">
-                  <a:solidFill>
-                    <a:srgbClr val="000000"/>
-                  </a:solidFill>
-                  <a:latin typeface="HK Grotesk Bold Bold"/>
-                </a:rPr>
-                <a:t>Заголовок</a:t>
-              </a:r>
-            </a:p>
-          </p:txBody>
-        </p:sp>
-        <p:sp>
-          <p:nvSpPr>
-            <p:cNvPr id="49" name="TextBox 49"/>
-            <p:cNvSpPr txBox="1"/>
-            <p:nvPr/>
-          </p:nvSpPr>
-          <p:spPr>
-            <a:xfrm>
-              <a:off x="0" y="659655"/>
-              <a:ext cx="3623709" cy="1874219"/>
-            </a:xfrm>
-            <a:prstGeom prst="rect">
-              <a:avLst/>
-            </a:prstGeom>
-          </p:spPr>
-          <p:txBody>
-            <a:bodyPr lIns="0" tIns="0" rIns="0" bIns="0" rtlCol="0" anchor="t">
-              <a:spAutoFit/>
-            </a:bodyPr>
-            <a:lstStyle/>
-            <a:p>
-              <a:pPr marL="0" lvl="0" indent="0" algn="l">
-                <a:lnSpc>
-                  <a:spcPts val="2271"/>
-                </a:lnSpc>
-                <a:spcBef>
-                  <a:spcPct val="0"/>
-                </a:spcBef>
-              </a:pPr>
-              <a:r>
-                <a:rPr lang="en-US" sz="1599">
-                  <a:solidFill>
-                    <a:srgbClr val="000000"/>
-                  </a:solidFill>
-                  <a:latin typeface="Clear Sans Regular"/>
-                </a:rPr>
-                <a:t>Презентации</a:t>
-              </a:r>
-              <a:r>
-                <a:rPr lang="en-US" sz="1599" u="none">
-                  <a:solidFill>
-                    <a:srgbClr val="000000"/>
-                  </a:solidFill>
-                  <a:latin typeface="Clear Sans Regular"/>
-                </a:rPr>
-                <a:t> — это средства коммуникации, которые могут использоваться в качестве лекций.</a:t>
-              </a:r>
-            </a:p>
-          </p:txBody>
-        </p:sp>
-      </p:grpSp>
-      <p:grpSp>
-        <p:nvGrpSpPr>
-          <p:cNvPr id="50" name="Group 50"/>
-          <p:cNvGrpSpPr/>
-          <p:nvPr/>
-        </p:nvGrpSpPr>
-        <p:grpSpPr>
-          <a:xfrm>
-            <a:off x="562092" y="8221264"/>
-            <a:ext cx="8099034" cy="1039500"/>
-            <a:chOff x="0" y="0"/>
-            <a:chExt cx="10798713" cy="1386000"/>
-          </a:xfrm>
-        </p:grpSpPr>
-        <p:sp>
-          <p:nvSpPr>
-            <p:cNvPr id="51" name="TextBox 51"/>
-            <p:cNvSpPr txBox="1"/>
-            <p:nvPr/>
-          </p:nvSpPr>
-          <p:spPr>
-            <a:xfrm>
-              <a:off x="0" y="-28575"/>
-              <a:ext cx="10798713" cy="511531"/>
-            </a:xfrm>
-            <a:prstGeom prst="rect">
-              <a:avLst/>
-            </a:prstGeom>
-          </p:spPr>
-          <p:txBody>
-            <a:bodyPr lIns="0" tIns="0" rIns="0" bIns="0" rtlCol="0" anchor="t">
-              <a:spAutoFit/>
-            </a:bodyPr>
-            <a:lstStyle/>
-            <a:p>
-              <a:pPr marL="0" lvl="0" indent="0">
-                <a:lnSpc>
-                  <a:spcPts val="3119"/>
-                </a:lnSpc>
-                <a:spcBef>
-                  <a:spcPct val="0"/>
-                </a:spcBef>
-              </a:pPr>
-              <a:r>
-                <a:rPr lang="en-US" sz="2399" spc="-23">
-                  <a:solidFill>
-                    <a:srgbClr val="000000"/>
-                  </a:solidFill>
-                  <a:latin typeface="HK Grotesk Bold Bold"/>
-                </a:rPr>
-                <a:t>Заголовок</a:t>
-              </a:r>
-            </a:p>
-          </p:txBody>
-        </p:sp>
-        <p:sp>
-          <p:nvSpPr>
-            <p:cNvPr id="52" name="TextBox 52"/>
-            <p:cNvSpPr txBox="1"/>
-            <p:nvPr/>
-          </p:nvSpPr>
-          <p:spPr>
-            <a:xfrm>
-              <a:off x="0" y="654931"/>
-              <a:ext cx="10798713" cy="731069"/>
-            </a:xfrm>
-            <a:prstGeom prst="rect">
-              <a:avLst/>
-            </a:prstGeom>
-          </p:spPr>
-          <p:txBody>
-            <a:bodyPr lIns="0" tIns="0" rIns="0" bIns="0" rtlCol="0" anchor="t">
-              <a:spAutoFit/>
-            </a:bodyPr>
-            <a:lstStyle/>
-            <a:p>
-              <a:pPr marL="0" lvl="0" indent="0" algn="l">
-                <a:lnSpc>
-                  <a:spcPts val="2271"/>
-                </a:lnSpc>
-                <a:spcBef>
-                  <a:spcPct val="0"/>
-                </a:spcBef>
-              </a:pPr>
-              <a:r>
-                <a:rPr lang="en-US" sz="1599">
-                  <a:solidFill>
-                    <a:srgbClr val="000000"/>
-                  </a:solidFill>
-                  <a:latin typeface="Clear Sans Regular"/>
-                </a:rPr>
-                <a:t>Презентации</a:t>
-              </a:r>
-              <a:r>
-                <a:rPr lang="en-US" sz="1599" u="none">
-                  <a:solidFill>
-                    <a:srgbClr val="000000"/>
-                  </a:solidFill>
-                  <a:latin typeface="Clear Sans Regular"/>
-                </a:rPr>
-                <a:t> — это средства коммуникации, которые могут использоваться в качестве лекций.</a:t>
-              </a:r>
-            </a:p>
-          </p:txBody>
-        </p:sp>
-      </p:grpSp>
-      <p:grpSp>
-        <p:nvGrpSpPr>
-          <p:cNvPr id="53" name="Group 53"/>
-          <p:cNvGrpSpPr/>
-          <p:nvPr/>
-        </p:nvGrpSpPr>
-        <p:grpSpPr>
-          <a:xfrm>
-            <a:off x="9604892" y="8221264"/>
-            <a:ext cx="8099034" cy="1039500"/>
-            <a:chOff x="0" y="0"/>
-            <a:chExt cx="10798713" cy="1386000"/>
-          </a:xfrm>
-        </p:grpSpPr>
-        <p:sp>
-          <p:nvSpPr>
-            <p:cNvPr id="54" name="TextBox 54"/>
-            <p:cNvSpPr txBox="1"/>
-            <p:nvPr/>
-          </p:nvSpPr>
-          <p:spPr>
-            <a:xfrm>
-              <a:off x="0" y="-28575"/>
-              <a:ext cx="10798713" cy="511531"/>
-            </a:xfrm>
-            <a:prstGeom prst="rect">
-              <a:avLst/>
-            </a:prstGeom>
-          </p:spPr>
-          <p:txBody>
-            <a:bodyPr lIns="0" tIns="0" rIns="0" bIns="0" rtlCol="0" anchor="t">
-              <a:spAutoFit/>
-            </a:bodyPr>
-            <a:lstStyle/>
-            <a:p>
-              <a:pPr marL="0" lvl="0" indent="0">
-                <a:lnSpc>
-                  <a:spcPts val="3119"/>
-                </a:lnSpc>
-                <a:spcBef>
-                  <a:spcPct val="0"/>
-                </a:spcBef>
-              </a:pPr>
-              <a:r>
-                <a:rPr lang="en-US" sz="2399" spc="-23">
-                  <a:solidFill>
-                    <a:srgbClr val="000000"/>
-                  </a:solidFill>
-                  <a:latin typeface="HK Grotesk Bold Bold"/>
-                </a:rPr>
-                <a:t>Заголовок</a:t>
-              </a:r>
-            </a:p>
-          </p:txBody>
-        </p:sp>
-        <p:sp>
-          <p:nvSpPr>
-            <p:cNvPr id="55" name="TextBox 55"/>
-            <p:cNvSpPr txBox="1"/>
-            <p:nvPr/>
-          </p:nvSpPr>
-          <p:spPr>
-            <a:xfrm>
-              <a:off x="0" y="654931"/>
-              <a:ext cx="10798713" cy="731069"/>
-            </a:xfrm>
-            <a:prstGeom prst="rect">
-              <a:avLst/>
-            </a:prstGeom>
-          </p:spPr>
-          <p:txBody>
-            <a:bodyPr lIns="0" tIns="0" rIns="0" bIns="0" rtlCol="0" anchor="t">
-              <a:spAutoFit/>
-            </a:bodyPr>
-            <a:lstStyle/>
-            <a:p>
-              <a:pPr marL="0" lvl="0" indent="0" algn="l">
-                <a:lnSpc>
-                  <a:spcPts val="2271"/>
-                </a:lnSpc>
-                <a:spcBef>
-                  <a:spcPct val="0"/>
-                </a:spcBef>
-              </a:pPr>
-              <a:r>
-                <a:rPr lang="en-US" sz="1599">
-                  <a:solidFill>
-                    <a:srgbClr val="000000"/>
-                  </a:solidFill>
-                  <a:latin typeface="Clear Sans Regular"/>
-                </a:rPr>
-                <a:t>Презентации</a:t>
-              </a:r>
-              <a:r>
-                <a:rPr lang="en-US" sz="1599" u="none">
-                  <a:solidFill>
-                    <a:srgbClr val="000000"/>
-                  </a:solidFill>
-                  <a:latin typeface="Clear Sans Regular"/>
-                </a:rPr>
-                <a:t> — это средства коммуникации, которые могут использоваться в качестве лекций.</a:t>
-              </a:r>
-            </a:p>
-          </p:txBody>
-        </p:sp>
-      </p:grpSp>
-    </p:spTree>
-  </p:cSld>
-  <p:clrMapOvr>
-    <a:masterClrMapping/>
-  </p:clrMapOvr>
-</p:sld>
-</file>
-
-<file path=ppt/slides/slide14.xml><?xml version="1.0" encoding="utf-8"?>
-<p:sld xmlns:a="http://schemas.openxmlformats.org/drawingml/2006/main" xmlns:r="http://schemas.openxmlformats.org/officeDocument/2006/relationships" xmlns:p="http://schemas.openxmlformats.org/presentationml/2006/main">
-  <p:cSld>
-    <p:bg>
-      <p:bgPr>
-        <a:solidFill>
-          <a:srgbClr val="1CE6D2"/>
-        </a:solidFill>
-        <a:effectLst/>
-      </p:bgPr>
-    </p:bg>
-    <p:spTree>
-      <p:nvGrpSpPr>
-        <p:cNvPr id="1" name=""/>
-        <p:cNvGrpSpPr/>
-        <p:nvPr/>
-      </p:nvGrpSpPr>
-      <p:grpSpPr>
-        <a:xfrm>
-          <a:off x="0" y="0"/>
-          <a:ext cx="0" cy="0"/>
-          <a:chOff x="0" y="0"/>
-          <a:chExt cx="0" cy="0"/>
-        </a:xfrm>
-      </p:grpSpPr>
-      <p:sp>
-        <p:nvSpPr>
-          <p:cNvPr id="2" name="TextBox 2"/>
-          <p:cNvSpPr txBox="1"/>
-          <p:nvPr/>
-        </p:nvSpPr>
-        <p:spPr>
-          <a:xfrm>
-            <a:off x="1028700" y="1133475"/>
-            <a:ext cx="12495520" cy="1112726"/>
-          </a:xfrm>
-          <a:prstGeom prst="rect">
-            <a:avLst/>
-          </a:prstGeom>
-        </p:spPr>
-        <p:txBody>
-          <a:bodyPr lIns="0" tIns="0" rIns="0" bIns="0" rtlCol="0" anchor="t">
-            <a:spAutoFit/>
-          </a:bodyPr>
-          <a:lstStyle/>
-          <a:p>
-            <a:pPr>
-              <a:lnSpc>
-                <a:spcPts val="8400"/>
-              </a:lnSpc>
-            </a:pPr>
-            <a:r>
-              <a:rPr lang="en-US" sz="8000" spc="-80">
-                <a:solidFill>
-                  <a:srgbClr val="000000"/>
-                </a:solidFill>
-                <a:latin typeface="HK Grotesk Bold Bold"/>
-              </a:rPr>
-              <a:t>ЗАГОЛОВОК</a:t>
-            </a:r>
-          </a:p>
-        </p:txBody>
-      </p:sp>
-      <p:sp>
-        <p:nvSpPr>
-          <p:cNvPr id="3" name="AutoShape 3"/>
-          <p:cNvSpPr/>
-          <p:nvPr/>
-        </p:nvSpPr>
-        <p:spPr>
-          <a:xfrm>
-            <a:off x="1028700" y="6736284"/>
-            <a:ext cx="15824000" cy="2522016"/>
-          </a:xfrm>
-          <a:prstGeom prst="rect">
-            <a:avLst/>
-          </a:prstGeom>
-          <a:solidFill>
-            <a:srgbClr val="000000"/>
-          </a:solidFill>
-        </p:spPr>
-      </p:sp>
-      <p:sp>
-        <p:nvSpPr>
-          <p:cNvPr id="4" name="TextBox 4"/>
-          <p:cNvSpPr txBox="1"/>
-          <p:nvPr/>
-        </p:nvSpPr>
-        <p:spPr>
-          <a:xfrm>
-            <a:off x="1642510" y="7639219"/>
-            <a:ext cx="2106189" cy="630421"/>
-          </a:xfrm>
-          <a:prstGeom prst="rect">
-            <a:avLst/>
-          </a:prstGeom>
-        </p:spPr>
-        <p:txBody>
-          <a:bodyPr lIns="0" tIns="0" rIns="0" bIns="0" rtlCol="0" anchor="t">
-            <a:spAutoFit/>
-          </a:bodyPr>
-          <a:lstStyle/>
-          <a:p>
-            <a:pPr marL="0" lvl="0" indent="0">
-              <a:lnSpc>
-                <a:spcPts val="5112"/>
-              </a:lnSpc>
-            </a:pPr>
-            <a:r>
-              <a:rPr lang="en-US" sz="3600" spc="-36">
-                <a:solidFill>
-                  <a:srgbClr val="FFFFFF"/>
-                </a:solidFill>
-                <a:latin typeface="Clear Sans Regular"/>
-              </a:rPr>
-              <a:t>Описание</a:t>
-            </a:r>
-          </a:p>
-        </p:txBody>
-      </p:sp>
-      <p:sp>
-        <p:nvSpPr>
-          <p:cNvPr id="5" name="AutoShape 5"/>
-          <p:cNvSpPr/>
-          <p:nvPr/>
-        </p:nvSpPr>
-        <p:spPr>
-          <a:xfrm>
-            <a:off x="4357180" y="6336693"/>
-            <a:ext cx="12902120" cy="2721221"/>
-          </a:xfrm>
-          <a:prstGeom prst="rect">
-            <a:avLst/>
-          </a:prstGeom>
-          <a:solidFill>
-            <a:srgbClr val="FFFFFF"/>
-          </a:solidFill>
-        </p:spPr>
-      </p:sp>
-      <p:sp>
-        <p:nvSpPr>
-          <p:cNvPr id="6" name="TextBox 6"/>
-          <p:cNvSpPr txBox="1"/>
-          <p:nvPr/>
-        </p:nvSpPr>
-        <p:spPr>
-          <a:xfrm>
-            <a:off x="4985392" y="6932667"/>
-            <a:ext cx="11645695" cy="1481647"/>
-          </a:xfrm>
-          <a:prstGeom prst="rect">
-            <a:avLst/>
-          </a:prstGeom>
-        </p:spPr>
-        <p:txBody>
-          <a:bodyPr lIns="0" tIns="0" rIns="0" bIns="0" rtlCol="0" anchor="t">
-            <a:spAutoFit/>
-          </a:bodyPr>
-          <a:lstStyle/>
-          <a:p>
-            <a:pPr marL="0" lvl="0" indent="0">
-              <a:lnSpc>
-                <a:spcPts val="2982"/>
-              </a:lnSpc>
-            </a:pPr>
-            <a:r>
-              <a:rPr lang="en-US" sz="2100" spc="-21">
-                <a:solidFill>
-                  <a:srgbClr val="000000"/>
-                </a:solidFill>
-                <a:latin typeface="Clear Sans Regular"/>
-              </a:rPr>
-              <a:t>Презентации</a:t>
-            </a:r>
-            <a:r>
-              <a:rPr lang="en-US" sz="2100" u="none" spc="-21">
-                <a:solidFill>
-                  <a:srgbClr val="000000"/>
-                </a:solidFill>
-                <a:latin typeface="Clear Sans Regular"/>
-              </a:rPr>
-              <a:t> являются средствами коммуникации, которые могут быть демонстрациями, лекциями, выступлениями, докладами и многим другим. В большинстве случаев они демонстрируются перед аудиторией. Они многофункциональны, что делает их мощными инструментами для убеждения и обучения.</a:t>
-            </a:r>
-          </a:p>
-        </p:txBody>
-      </p:sp>
-      <p:grpSp>
-        <p:nvGrpSpPr>
-          <p:cNvPr id="7" name="Group 7"/>
-          <p:cNvGrpSpPr/>
-          <p:nvPr/>
-        </p:nvGrpSpPr>
-        <p:grpSpPr>
-          <a:xfrm rot="297757">
-            <a:off x="14746488" y="1040798"/>
-            <a:ext cx="2427328" cy="2081554"/>
-            <a:chOff x="0" y="0"/>
-            <a:chExt cx="3236437" cy="2775406"/>
-          </a:xfrm>
-        </p:grpSpPr>
-        <p:pic>
-          <p:nvPicPr>
-            <p:cNvPr id="8" name="Picture 8"/>
-            <p:cNvPicPr>
-              <a:picLocks noChangeAspect="1"/>
-            </p:cNvPicPr>
-            <p:nvPr/>
-          </p:nvPicPr>
-          <p:blipFill>
-            <a:blip r:embed="rId2" cstate="print"/>
-            <a:srcRect/>
-            <a:stretch>
-              <a:fillRect/>
-            </a:stretch>
-          </p:blipFill>
-          <p:spPr>
-            <a:xfrm>
-              <a:off x="0" y="0"/>
-              <a:ext cx="3236437" cy="2362599"/>
-            </a:xfrm>
-            <a:prstGeom prst="rect">
-              <a:avLst/>
-            </a:prstGeom>
-          </p:spPr>
-        </p:pic>
-        <p:grpSp>
-          <p:nvGrpSpPr>
-            <p:cNvPr id="9" name="Group 9"/>
-            <p:cNvGrpSpPr>
-              <a:grpSpLocks noChangeAspect="1"/>
-            </p:cNvGrpSpPr>
-            <p:nvPr/>
-          </p:nvGrpSpPr>
-          <p:grpSpPr>
-            <a:xfrm>
-              <a:off x="2292550" y="1831518"/>
-              <a:ext cx="943888" cy="943888"/>
-              <a:chOff x="1371600" y="6705600"/>
-              <a:chExt cx="10972800" cy="10972800"/>
-            </a:xfrm>
-          </p:grpSpPr>
-          <p:sp>
-            <p:nvSpPr>
-              <p:cNvPr id="10" name="Freeform 10"/>
-              <p:cNvSpPr/>
-              <p:nvPr/>
-            </p:nvSpPr>
-            <p:spPr>
-              <a:xfrm>
-                <a:off x="1362808" y="6434629"/>
-                <a:ext cx="10990384" cy="11514742"/>
-              </a:xfrm>
-              <a:custGeom>
-                <a:avLst/>
-                <a:gdLst/>
-                <a:ahLst/>
-                <a:cxnLst/>
-                <a:rect l="l" t="t" r="r" b="b"/>
-                <a:pathLst>
-                  <a:path w="10990384" h="11514742">
-                    <a:moveTo>
-                      <a:pt x="8792" y="5757371"/>
-                    </a:moveTo>
-                    <a:cubicBezTo>
-                      <a:pt x="0" y="7723318"/>
-                      <a:pt x="1043775" y="9543701"/>
-                      <a:pt x="2744885" y="10529222"/>
-                    </a:cubicBezTo>
-                    <a:cubicBezTo>
-                      <a:pt x="4445994" y="11514742"/>
-                      <a:pt x="6544389" y="11514742"/>
-                      <a:pt x="8245499" y="10529222"/>
-                    </a:cubicBezTo>
-                    <a:cubicBezTo>
-                      <a:pt x="9946609" y="9543701"/>
-                      <a:pt x="10990384" y="7723318"/>
-                      <a:pt x="10981592" y="5757371"/>
-                    </a:cubicBezTo>
-                    <a:cubicBezTo>
-                      <a:pt x="10990384" y="3791424"/>
-                      <a:pt x="9946609" y="1971041"/>
-                      <a:pt x="8245499" y="985520"/>
-                    </a:cubicBezTo>
-                    <a:cubicBezTo>
-                      <a:pt x="6544389" y="0"/>
-                      <a:pt x="4445994" y="0"/>
-                      <a:pt x="2744885" y="985520"/>
-                    </a:cubicBezTo>
-                    <a:cubicBezTo>
-                      <a:pt x="1043775" y="1971041"/>
-                      <a:pt x="0" y="3791424"/>
-                      <a:pt x="8792" y="5757371"/>
-                    </a:cubicBezTo>
-                    <a:close/>
-                  </a:path>
-                </a:pathLst>
-              </a:custGeom>
-              <a:solidFill>
-                <a:srgbClr val="000000"/>
-              </a:solidFill>
-            </p:spPr>
-          </p:sp>
-        </p:grpSp>
-      </p:grpSp>
-    </p:spTree>
-  </p:cSld>
-  <p:clrMapOvr>
-    <a:masterClrMapping/>
-  </p:clrMapOvr>
-</p:sld>
-</file>
-
-<file path=ppt/slides/slide15.xml><?xml version="1.0" encoding="utf-8"?>
-<p:sld xmlns:a="http://schemas.openxmlformats.org/drawingml/2006/main" xmlns:r="http://schemas.openxmlformats.org/officeDocument/2006/relationships" xmlns:p="http://schemas.openxmlformats.org/presentationml/2006/main">
-  <p:cSld>
-    <p:spTree>
-      <p:nvGrpSpPr>
-        <p:cNvPr id="1" name=""/>
-        <p:cNvGrpSpPr/>
-        <p:nvPr/>
-      </p:nvGrpSpPr>
-      <p:grpSpPr>
-        <a:xfrm>
-          <a:off x="0" y="0"/>
-          <a:ext cx="0" cy="0"/>
-          <a:chOff x="0" y="0"/>
-          <a:chExt cx="0" cy="0"/>
-        </a:xfrm>
-      </p:grpSpPr>
-      <p:sp>
-        <p:nvSpPr>
-          <p:cNvPr id="2" name="AutoShape 2"/>
-          <p:cNvSpPr/>
-          <p:nvPr/>
-        </p:nvSpPr>
-        <p:spPr>
-          <a:xfrm>
-            <a:off x="1247577" y="1198288"/>
-            <a:ext cx="16001354" cy="2381164"/>
-          </a:xfrm>
-          <a:prstGeom prst="rect">
-            <a:avLst/>
-          </a:prstGeom>
-          <a:solidFill>
-            <a:srgbClr val="000000"/>
-          </a:solidFill>
-        </p:spPr>
-      </p:sp>
-      <p:sp>
-        <p:nvSpPr>
-          <p:cNvPr id="3" name="AutoShape 3"/>
-          <p:cNvSpPr/>
-          <p:nvPr/>
-        </p:nvSpPr>
-        <p:spPr>
-          <a:xfrm>
-            <a:off x="1028700" y="1053133"/>
-            <a:ext cx="11131169" cy="2393214"/>
-          </a:xfrm>
-          <a:prstGeom prst="rect">
-            <a:avLst/>
-          </a:prstGeom>
-          <a:solidFill>
-            <a:srgbClr val="1CE6D2"/>
-          </a:solidFill>
-        </p:spPr>
-      </p:sp>
-      <p:grpSp>
-        <p:nvGrpSpPr>
-          <p:cNvPr id="4" name="Group 4"/>
-          <p:cNvGrpSpPr/>
-          <p:nvPr/>
-        </p:nvGrpSpPr>
-        <p:grpSpPr>
-          <a:xfrm>
-            <a:off x="1635166" y="1560466"/>
-            <a:ext cx="9918236" cy="1378549"/>
-            <a:chOff x="0" y="0"/>
-            <a:chExt cx="13224315" cy="1838066"/>
-          </a:xfrm>
-        </p:grpSpPr>
-        <p:sp>
-          <p:nvSpPr>
-            <p:cNvPr id="5" name="TextBox 5"/>
-            <p:cNvSpPr txBox="1"/>
-            <p:nvPr/>
-          </p:nvSpPr>
-          <p:spPr>
-            <a:xfrm>
-              <a:off x="0" y="872081"/>
-              <a:ext cx="13224315" cy="965985"/>
-            </a:xfrm>
-            <a:prstGeom prst="rect">
-              <a:avLst/>
-            </a:prstGeom>
-          </p:spPr>
-          <p:txBody>
-            <a:bodyPr lIns="0" tIns="0" rIns="0" bIns="0" rtlCol="0" anchor="t">
-              <a:spAutoFit/>
-            </a:bodyPr>
-            <a:lstStyle/>
-            <a:p>
-              <a:pPr marL="0" lvl="0" indent="0" algn="l">
-                <a:lnSpc>
-                  <a:spcPts val="2982"/>
-                </a:lnSpc>
-                <a:spcBef>
-                  <a:spcPct val="0"/>
-                </a:spcBef>
-              </a:pPr>
-              <a:r>
-                <a:rPr lang="en-US" sz="2100">
-                  <a:solidFill>
-                    <a:srgbClr val="000000"/>
-                  </a:solidFill>
-                  <a:latin typeface="Clear Sans Regular"/>
-                </a:rPr>
-                <a:t>Презентации</a:t>
-              </a:r>
-              <a:r>
-                <a:rPr lang="en-US" sz="2100" u="none">
-                  <a:solidFill>
-                    <a:srgbClr val="000000"/>
-                  </a:solidFill>
-                  <a:latin typeface="Clear Sans Regular"/>
-                </a:rPr>
-                <a:t> — это средства коммуникации, которые могут использоваться в качестве лекций.</a:t>
-              </a:r>
-            </a:p>
-          </p:txBody>
-        </p:sp>
-        <p:sp>
-          <p:nvSpPr>
-            <p:cNvPr id="6" name="TextBox 6"/>
-            <p:cNvSpPr txBox="1"/>
-            <p:nvPr/>
-          </p:nvSpPr>
-          <p:spPr>
-            <a:xfrm>
-              <a:off x="0" y="-9525"/>
-              <a:ext cx="13224315" cy="654379"/>
-            </a:xfrm>
-            <a:prstGeom prst="rect">
-              <a:avLst/>
-            </a:prstGeom>
-          </p:spPr>
-          <p:txBody>
-            <a:bodyPr lIns="0" tIns="0" rIns="0" bIns="0" rtlCol="0" anchor="t">
-              <a:spAutoFit/>
-            </a:bodyPr>
-            <a:lstStyle/>
-            <a:p>
-              <a:pPr marL="0" lvl="0" indent="0" algn="l">
-                <a:lnSpc>
-                  <a:spcPts val="3840"/>
-                </a:lnSpc>
-              </a:pPr>
-              <a:r>
-                <a:rPr lang="en-US" sz="3200">
-                  <a:solidFill>
-                    <a:srgbClr val="000000"/>
-                  </a:solidFill>
-                  <a:latin typeface="HK Grotesk Bold Bold"/>
-                </a:rPr>
-                <a:t>Заголовок</a:t>
-              </a:r>
-            </a:p>
-          </p:txBody>
-        </p:sp>
-      </p:grpSp>
-      <p:sp>
-        <p:nvSpPr>
-          <p:cNvPr id="7" name="TextBox 7"/>
-          <p:cNvSpPr txBox="1"/>
-          <p:nvPr/>
-        </p:nvSpPr>
-        <p:spPr>
-          <a:xfrm>
-            <a:off x="12730320" y="1623138"/>
-            <a:ext cx="4037068" cy="1483839"/>
-          </a:xfrm>
-          <a:prstGeom prst="rect">
-            <a:avLst/>
-          </a:prstGeom>
-        </p:spPr>
-        <p:txBody>
-          <a:bodyPr lIns="0" tIns="0" rIns="0" bIns="0" rtlCol="0" anchor="t">
-            <a:spAutoFit/>
-          </a:bodyPr>
-          <a:lstStyle/>
-          <a:p>
-            <a:pPr marL="346710" lvl="1" indent="-173355">
-              <a:lnSpc>
-                <a:spcPts val="2982"/>
-              </a:lnSpc>
-              <a:buFont typeface="Arial"/>
-              <a:buChar char="•"/>
-            </a:pPr>
-            <a:r>
-              <a:rPr lang="en-US" sz="2100">
-                <a:solidFill>
-                  <a:srgbClr val="FFFFFF"/>
-                </a:solidFill>
-                <a:latin typeface="Clear Sans Regular"/>
-              </a:rPr>
-              <a:t>Пункт 1</a:t>
-            </a:r>
-          </a:p>
-          <a:p>
-            <a:pPr marL="346710" lvl="1" indent="-173355">
-              <a:lnSpc>
-                <a:spcPts val="2982"/>
-              </a:lnSpc>
-              <a:buFont typeface="Arial"/>
-              <a:buChar char="•"/>
-            </a:pPr>
-            <a:r>
-              <a:rPr lang="en-US" sz="2100">
-                <a:solidFill>
-                  <a:srgbClr val="FFFFFF"/>
-                </a:solidFill>
-                <a:latin typeface="Clear Sans Regular"/>
-              </a:rPr>
-              <a:t>Пункт 2</a:t>
-            </a:r>
-          </a:p>
-          <a:p>
-            <a:pPr marL="346710" lvl="1" indent="-173355">
-              <a:lnSpc>
-                <a:spcPts val="2982"/>
-              </a:lnSpc>
-              <a:buFont typeface="Arial"/>
-              <a:buChar char="•"/>
-            </a:pPr>
-            <a:r>
-              <a:rPr lang="en-US" sz="2100">
-                <a:solidFill>
-                  <a:srgbClr val="FFFFFF"/>
-                </a:solidFill>
-                <a:latin typeface="Clear Sans Regular"/>
-              </a:rPr>
-              <a:t>Пункт 3</a:t>
-            </a:r>
-          </a:p>
-          <a:p>
-            <a:pPr marL="346710" lvl="1" indent="-173355" algn="l">
-              <a:lnSpc>
-                <a:spcPts val="2982"/>
-              </a:lnSpc>
-              <a:buFont typeface="Arial"/>
-              <a:buChar char="•"/>
-            </a:pPr>
-            <a:r>
-              <a:rPr lang="en-US" sz="2100">
-                <a:solidFill>
-                  <a:srgbClr val="FFFFFF"/>
-                </a:solidFill>
-                <a:latin typeface="Clear Sans Regular"/>
-              </a:rPr>
-              <a:t>Пункт 4</a:t>
-            </a:r>
-          </a:p>
-        </p:txBody>
-      </p:sp>
-      <p:sp>
-        <p:nvSpPr>
-          <p:cNvPr id="8" name="AutoShape 8"/>
-          <p:cNvSpPr/>
-          <p:nvPr/>
-        </p:nvSpPr>
-        <p:spPr>
-          <a:xfrm>
-            <a:off x="1257946" y="6877136"/>
-            <a:ext cx="16001354" cy="2381164"/>
-          </a:xfrm>
-          <a:prstGeom prst="rect">
-            <a:avLst/>
-          </a:prstGeom>
-          <a:solidFill>
-            <a:srgbClr val="000000"/>
-          </a:solidFill>
-        </p:spPr>
-      </p:sp>
-      <p:sp>
-        <p:nvSpPr>
-          <p:cNvPr id="9" name="AutoShape 9"/>
-          <p:cNvSpPr/>
-          <p:nvPr/>
-        </p:nvSpPr>
-        <p:spPr>
-          <a:xfrm>
-            <a:off x="1039069" y="6731981"/>
-            <a:ext cx="11131169" cy="2393214"/>
-          </a:xfrm>
-          <a:prstGeom prst="rect">
-            <a:avLst/>
-          </a:prstGeom>
-          <a:solidFill>
-            <a:srgbClr val="1CE6D2"/>
-          </a:solidFill>
-        </p:spPr>
-      </p:sp>
-      <p:grpSp>
-        <p:nvGrpSpPr>
-          <p:cNvPr id="10" name="Group 10"/>
-          <p:cNvGrpSpPr/>
-          <p:nvPr/>
-        </p:nvGrpSpPr>
-        <p:grpSpPr>
-          <a:xfrm>
-            <a:off x="1645536" y="7239313"/>
-            <a:ext cx="9918236" cy="1378549"/>
-            <a:chOff x="0" y="0"/>
-            <a:chExt cx="13224315" cy="1838066"/>
-          </a:xfrm>
-        </p:grpSpPr>
-        <p:sp>
-          <p:nvSpPr>
-            <p:cNvPr id="11" name="TextBox 11"/>
-            <p:cNvSpPr txBox="1"/>
-            <p:nvPr/>
-          </p:nvSpPr>
-          <p:spPr>
-            <a:xfrm>
-              <a:off x="0" y="872081"/>
-              <a:ext cx="13224315" cy="965985"/>
-            </a:xfrm>
-            <a:prstGeom prst="rect">
-              <a:avLst/>
-            </a:prstGeom>
-          </p:spPr>
-          <p:txBody>
-            <a:bodyPr lIns="0" tIns="0" rIns="0" bIns="0" rtlCol="0" anchor="t">
-              <a:spAutoFit/>
-            </a:bodyPr>
-            <a:lstStyle/>
-            <a:p>
-              <a:pPr marL="0" lvl="0" indent="0" algn="l">
-                <a:lnSpc>
-                  <a:spcPts val="2982"/>
-                </a:lnSpc>
-                <a:spcBef>
-                  <a:spcPct val="0"/>
-                </a:spcBef>
-              </a:pPr>
-              <a:r>
-                <a:rPr lang="en-US" sz="2100">
-                  <a:solidFill>
-                    <a:srgbClr val="000000"/>
-                  </a:solidFill>
-                  <a:latin typeface="Clear Sans Regular"/>
-                </a:rPr>
-                <a:t>Презентации</a:t>
-              </a:r>
-              <a:r>
-                <a:rPr lang="en-US" sz="2100" u="none">
-                  <a:solidFill>
-                    <a:srgbClr val="000000"/>
-                  </a:solidFill>
-                  <a:latin typeface="Clear Sans Regular"/>
-                </a:rPr>
-                <a:t> — это средства коммуникации, которые могут использоваться в качестве лекций.</a:t>
-              </a:r>
-            </a:p>
-          </p:txBody>
-        </p:sp>
-        <p:sp>
-          <p:nvSpPr>
-            <p:cNvPr id="12" name="TextBox 12"/>
-            <p:cNvSpPr txBox="1"/>
-            <p:nvPr/>
-          </p:nvSpPr>
-          <p:spPr>
-            <a:xfrm>
-              <a:off x="0" y="-9525"/>
-              <a:ext cx="13224315" cy="654379"/>
-            </a:xfrm>
-            <a:prstGeom prst="rect">
-              <a:avLst/>
-            </a:prstGeom>
-          </p:spPr>
-          <p:txBody>
-            <a:bodyPr lIns="0" tIns="0" rIns="0" bIns="0" rtlCol="0" anchor="t">
-              <a:spAutoFit/>
-            </a:bodyPr>
-            <a:lstStyle/>
-            <a:p>
-              <a:pPr marL="0" lvl="0" indent="0" algn="l">
-                <a:lnSpc>
-                  <a:spcPts val="3840"/>
-                </a:lnSpc>
-              </a:pPr>
-              <a:r>
-                <a:rPr lang="en-US" sz="3200">
-                  <a:solidFill>
-                    <a:srgbClr val="000000"/>
-                  </a:solidFill>
-                  <a:latin typeface="HK Grotesk Bold Bold"/>
-                </a:rPr>
-                <a:t>Заголовок</a:t>
-              </a:r>
-            </a:p>
-          </p:txBody>
-        </p:sp>
-      </p:grpSp>
-      <p:sp>
-        <p:nvSpPr>
-          <p:cNvPr id="13" name="TextBox 13"/>
-          <p:cNvSpPr txBox="1"/>
-          <p:nvPr/>
-        </p:nvSpPr>
-        <p:spPr>
-          <a:xfrm>
-            <a:off x="12730320" y="7301986"/>
-            <a:ext cx="4037068" cy="1483839"/>
-          </a:xfrm>
-          <a:prstGeom prst="rect">
-            <a:avLst/>
-          </a:prstGeom>
-        </p:spPr>
-        <p:txBody>
-          <a:bodyPr lIns="0" tIns="0" rIns="0" bIns="0" rtlCol="0" anchor="t">
-            <a:spAutoFit/>
-          </a:bodyPr>
-          <a:lstStyle/>
-          <a:p>
-            <a:pPr marL="346710" lvl="1" indent="-173355" algn="l">
-              <a:lnSpc>
-                <a:spcPts val="2982"/>
-              </a:lnSpc>
-              <a:buFont typeface="Arial"/>
-              <a:buChar char="•"/>
-            </a:pPr>
-            <a:r>
-              <a:rPr lang="en-US" sz="2100">
-                <a:solidFill>
-                  <a:srgbClr val="FFFFFF"/>
-                </a:solidFill>
-                <a:latin typeface="Clear Sans Regular"/>
-              </a:rPr>
-              <a:t>Пункт 1</a:t>
-            </a:r>
-          </a:p>
-          <a:p>
-            <a:pPr marL="346710" lvl="1" indent="-173355" algn="l">
-              <a:lnSpc>
-                <a:spcPts val="2982"/>
-              </a:lnSpc>
-              <a:buFont typeface="Arial"/>
-              <a:buChar char="•"/>
-            </a:pPr>
-            <a:r>
-              <a:rPr lang="en-US" sz="2100" u="none">
-                <a:solidFill>
-                  <a:srgbClr val="FFFFFF"/>
-                </a:solidFill>
-                <a:latin typeface="Clear Sans Regular"/>
-              </a:rPr>
-              <a:t>Пункт 2</a:t>
-            </a:r>
-          </a:p>
-          <a:p>
-            <a:pPr marL="346710" lvl="1" indent="-173355" algn="l">
-              <a:lnSpc>
-                <a:spcPts val="2982"/>
-              </a:lnSpc>
-              <a:buFont typeface="Arial"/>
-              <a:buChar char="•"/>
-            </a:pPr>
-            <a:r>
-              <a:rPr lang="en-US" sz="2100" u="none">
-                <a:solidFill>
-                  <a:srgbClr val="FFFFFF"/>
-                </a:solidFill>
-                <a:latin typeface="Clear Sans Regular"/>
-              </a:rPr>
-              <a:t>Пункт 3</a:t>
-            </a:r>
-          </a:p>
-          <a:p>
-            <a:pPr marL="346710" lvl="1" indent="-173355" algn="l">
-              <a:lnSpc>
-                <a:spcPts val="2982"/>
-              </a:lnSpc>
-              <a:buFont typeface="Arial"/>
-              <a:buChar char="•"/>
-            </a:pPr>
-            <a:r>
-              <a:rPr lang="en-US" sz="2100" u="none">
-                <a:solidFill>
-                  <a:srgbClr val="FFFFFF"/>
-                </a:solidFill>
-                <a:latin typeface="Clear Sans Regular"/>
-              </a:rPr>
-              <a:t>Пункт 4</a:t>
-            </a:r>
-          </a:p>
-        </p:txBody>
-      </p:sp>
-      <p:sp>
-        <p:nvSpPr>
-          <p:cNvPr id="14" name="AutoShape 14"/>
-          <p:cNvSpPr/>
-          <p:nvPr/>
-        </p:nvSpPr>
-        <p:spPr>
-          <a:xfrm>
-            <a:off x="1257946" y="4025495"/>
-            <a:ext cx="16001354" cy="2381164"/>
-          </a:xfrm>
-          <a:prstGeom prst="rect">
-            <a:avLst/>
-          </a:prstGeom>
-          <a:solidFill>
-            <a:srgbClr val="000000"/>
-          </a:solidFill>
-        </p:spPr>
-      </p:sp>
-      <p:sp>
-        <p:nvSpPr>
-          <p:cNvPr id="15" name="AutoShape 15"/>
-          <p:cNvSpPr/>
-          <p:nvPr/>
-        </p:nvSpPr>
-        <p:spPr>
-          <a:xfrm>
-            <a:off x="1039069" y="3880341"/>
-            <a:ext cx="11131169" cy="2393214"/>
-          </a:xfrm>
-          <a:prstGeom prst="rect">
-            <a:avLst/>
-          </a:prstGeom>
-          <a:solidFill>
-            <a:srgbClr val="1CE6D2"/>
-          </a:solidFill>
-        </p:spPr>
-      </p:sp>
-      <p:grpSp>
-        <p:nvGrpSpPr>
-          <p:cNvPr id="16" name="Group 16"/>
-          <p:cNvGrpSpPr/>
-          <p:nvPr/>
-        </p:nvGrpSpPr>
-        <p:grpSpPr>
-          <a:xfrm>
-            <a:off x="1645536" y="4387673"/>
-            <a:ext cx="9918236" cy="1378549"/>
-            <a:chOff x="0" y="0"/>
-            <a:chExt cx="13224315" cy="1838066"/>
-          </a:xfrm>
-        </p:grpSpPr>
-        <p:sp>
-          <p:nvSpPr>
-            <p:cNvPr id="17" name="TextBox 17"/>
-            <p:cNvSpPr txBox="1"/>
-            <p:nvPr/>
-          </p:nvSpPr>
-          <p:spPr>
-            <a:xfrm>
-              <a:off x="0" y="872081"/>
-              <a:ext cx="13224315" cy="965985"/>
-            </a:xfrm>
-            <a:prstGeom prst="rect">
-              <a:avLst/>
-            </a:prstGeom>
-          </p:spPr>
-          <p:txBody>
-            <a:bodyPr lIns="0" tIns="0" rIns="0" bIns="0" rtlCol="0" anchor="t">
-              <a:spAutoFit/>
-            </a:bodyPr>
-            <a:lstStyle/>
-            <a:p>
-              <a:pPr marL="0" lvl="0" indent="0" algn="l">
-                <a:lnSpc>
-                  <a:spcPts val="2982"/>
-                </a:lnSpc>
-                <a:spcBef>
-                  <a:spcPct val="0"/>
-                </a:spcBef>
-              </a:pPr>
-              <a:r>
-                <a:rPr lang="en-US" sz="2100">
-                  <a:solidFill>
-                    <a:srgbClr val="000000"/>
-                  </a:solidFill>
-                  <a:latin typeface="Clear Sans Regular"/>
-                </a:rPr>
-                <a:t>Презентации</a:t>
-              </a:r>
-              <a:r>
-                <a:rPr lang="en-US" sz="2100" u="none">
-                  <a:solidFill>
-                    <a:srgbClr val="000000"/>
-                  </a:solidFill>
-                  <a:latin typeface="Clear Sans Regular"/>
-                </a:rPr>
-                <a:t> — это средства коммуникации, которые могут использоваться в качестве лекций.</a:t>
-              </a:r>
-            </a:p>
-          </p:txBody>
-        </p:sp>
-        <p:sp>
-          <p:nvSpPr>
-            <p:cNvPr id="18" name="TextBox 18"/>
-            <p:cNvSpPr txBox="1"/>
-            <p:nvPr/>
-          </p:nvSpPr>
-          <p:spPr>
-            <a:xfrm>
-              <a:off x="0" y="-9525"/>
-              <a:ext cx="13224315" cy="654379"/>
-            </a:xfrm>
-            <a:prstGeom prst="rect">
-              <a:avLst/>
-            </a:prstGeom>
-          </p:spPr>
-          <p:txBody>
-            <a:bodyPr lIns="0" tIns="0" rIns="0" bIns="0" rtlCol="0" anchor="t">
-              <a:spAutoFit/>
-            </a:bodyPr>
-            <a:lstStyle/>
-            <a:p>
-              <a:pPr marL="0" lvl="0" indent="0" algn="l">
-                <a:lnSpc>
-                  <a:spcPts val="3840"/>
-                </a:lnSpc>
-              </a:pPr>
-              <a:r>
-                <a:rPr lang="en-US" sz="3200">
-                  <a:solidFill>
-                    <a:srgbClr val="000000"/>
-                  </a:solidFill>
-                  <a:latin typeface="HK Grotesk Bold Bold"/>
-                </a:rPr>
-                <a:t>Заголовок</a:t>
-              </a:r>
-            </a:p>
-          </p:txBody>
-        </p:sp>
-      </p:grpSp>
-      <p:sp>
-        <p:nvSpPr>
-          <p:cNvPr id="19" name="TextBox 19"/>
-          <p:cNvSpPr txBox="1"/>
-          <p:nvPr/>
-        </p:nvSpPr>
-        <p:spPr>
-          <a:xfrm>
-            <a:off x="12740689" y="4450345"/>
-            <a:ext cx="4037068" cy="1483839"/>
-          </a:xfrm>
-          <a:prstGeom prst="rect">
-            <a:avLst/>
-          </a:prstGeom>
-        </p:spPr>
-        <p:txBody>
-          <a:bodyPr lIns="0" tIns="0" rIns="0" bIns="0" rtlCol="0" anchor="t">
-            <a:spAutoFit/>
-          </a:bodyPr>
-          <a:lstStyle/>
-          <a:p>
-            <a:pPr marL="346710" lvl="1" indent="-173355" algn="l">
-              <a:lnSpc>
-                <a:spcPts val="2982"/>
-              </a:lnSpc>
-              <a:buFont typeface="Arial"/>
-              <a:buChar char="•"/>
-            </a:pPr>
-            <a:r>
-              <a:rPr lang="en-US" sz="2100">
-                <a:solidFill>
-                  <a:srgbClr val="FFFFFF"/>
-                </a:solidFill>
-                <a:latin typeface="Clear Sans Regular"/>
-              </a:rPr>
-              <a:t>Пункт 1</a:t>
-            </a:r>
-          </a:p>
-          <a:p>
-            <a:pPr marL="346710" lvl="1" indent="-173355" algn="l">
-              <a:lnSpc>
-                <a:spcPts val="2982"/>
-              </a:lnSpc>
-              <a:buFont typeface="Arial"/>
-              <a:buChar char="•"/>
-            </a:pPr>
-            <a:r>
-              <a:rPr lang="en-US" sz="2100" u="none">
-                <a:solidFill>
-                  <a:srgbClr val="FFFFFF"/>
-                </a:solidFill>
-                <a:latin typeface="Clear Sans Regular"/>
-              </a:rPr>
-              <a:t>Пункт 2</a:t>
-            </a:r>
-          </a:p>
-          <a:p>
-            <a:pPr marL="346710" lvl="1" indent="-173355" algn="l">
-              <a:lnSpc>
-                <a:spcPts val="2982"/>
-              </a:lnSpc>
-              <a:buFont typeface="Arial"/>
-              <a:buChar char="•"/>
-            </a:pPr>
-            <a:r>
-              <a:rPr lang="en-US" sz="2100" u="none">
-                <a:solidFill>
-                  <a:srgbClr val="FFFFFF"/>
-                </a:solidFill>
-                <a:latin typeface="Clear Sans Regular"/>
-              </a:rPr>
-              <a:t>Пункт 3</a:t>
-            </a:r>
-          </a:p>
-          <a:p>
-            <a:pPr marL="346710" lvl="1" indent="-173355" algn="l">
-              <a:lnSpc>
-                <a:spcPts val="2982"/>
-              </a:lnSpc>
-              <a:buFont typeface="Arial"/>
-              <a:buChar char="•"/>
-            </a:pPr>
-            <a:r>
-              <a:rPr lang="en-US" sz="2100" u="none">
-                <a:solidFill>
-                  <a:srgbClr val="FFFFFF"/>
-                </a:solidFill>
-                <a:latin typeface="Clear Sans Regular"/>
-              </a:rPr>
-              <a:t>Пункт 4</a:t>
-            </a:r>
-          </a:p>
-        </p:txBody>
-      </p:sp>
-    </p:spTree>
-  </p:cSld>
-  <p:clrMapOvr>
-    <a:masterClrMapping/>
-  </p:clrMapOvr>
-</p:sld>
-</file>
-
-<file path=ppt/slides/slide16.xml><?xml version="1.0" encoding="utf-8"?>
-<p:sld xmlns:a="http://schemas.openxmlformats.org/drawingml/2006/main" xmlns:r="http://schemas.openxmlformats.org/officeDocument/2006/relationships" xmlns:p="http://schemas.openxmlformats.org/presentationml/2006/main">
-  <p:cSld>
-    <p:bg>
-      <p:bgPr>
-        <a:solidFill>
-          <a:srgbClr val="1CE6D2"/>
-        </a:solidFill>
-        <a:effectLst/>
-      </p:bgPr>
-    </p:bg>
-    <p:spTree>
-      <p:nvGrpSpPr>
-        <p:cNvPr id="1" name=""/>
-        <p:cNvGrpSpPr/>
-        <p:nvPr/>
-      </p:nvGrpSpPr>
-      <p:grpSpPr>
-        <a:xfrm>
-          <a:off x="0" y="0"/>
-          <a:ext cx="0" cy="0"/>
-          <a:chOff x="0" y="0"/>
-          <a:chExt cx="0" cy="0"/>
-        </a:xfrm>
-      </p:grpSpPr>
-      <p:grpSp>
-        <p:nvGrpSpPr>
-          <p:cNvPr id="2" name="Group 2"/>
-          <p:cNvGrpSpPr/>
-          <p:nvPr/>
-        </p:nvGrpSpPr>
-        <p:grpSpPr>
           <a:xfrm rot="-10800000">
             <a:off x="13824554" y="1028700"/>
             <a:ext cx="3434746" cy="1919027"/>
@@ -10894,7 +7420,7 @@
         <p:spPr>
           <a:xfrm>
             <a:off x="457200" y="6970934"/>
-            <a:ext cx="4572000" cy="3200876"/>
+            <a:ext cx="4572000" cy="3816429"/>
           </a:xfrm>
           <a:prstGeom prst="rect">
             <a:avLst/>
@@ -10938,12 +7464,32 @@
           </a:p>
           <a:p>
             <a:r>
-              <a:rPr lang="en-US" sz="2000" dirty="0">
+              <a:rPr lang="en-US" sz="2000" dirty="0" smtClean="0">
                 <a:latin typeface="Clear Sans Regular" panose="020B0604020202020204" charset="0"/>
                 <a:cs typeface="Clear Sans Regular" panose="020B0604020202020204" charset="0"/>
+                <a:hlinkClick r:id="rId3"/>
               </a:rPr>
               <a:t>maksim.annikov@bk.ru</a:t>
             </a:r>
+            <a:endParaRPr lang="ru-RU" sz="2000" dirty="0" smtClean="0">
+              <a:latin typeface="Clear Sans Regular" panose="020B0604020202020204" charset="0"/>
+              <a:cs typeface="Clear Sans Regular" panose="020B0604020202020204" charset="0"/>
+            </a:endParaRPr>
+          </a:p>
+          <a:p>
+            <a:r>
+              <a:rPr lang="en-US" sz="2000" dirty="0" smtClean="0">
+                <a:hlinkClick r:id="rId4"/>
+              </a:rPr>
+              <a:t>esh2035@gmail.com</a:t>
+            </a:r>
+            <a:endParaRPr lang="en-US" sz="2000" dirty="0" smtClean="0"/>
+          </a:p>
+          <a:p>
+            <a:endParaRPr lang="en-US" sz="2000" dirty="0">
+              <a:latin typeface="Clear Sans Regular" panose="020B0604020202020204" charset="0"/>
+              <a:cs typeface="Clear Sans Regular" panose="020B0604020202020204" charset="0"/>
+            </a:endParaRPr>
           </a:p>
           <a:p>
             <a:endParaRPr lang="en-US" sz="2000" dirty="0">
@@ -10986,7 +7532,7 @@
           <p:nvPr/>
         </p:nvPicPr>
         <p:blipFill>
-          <a:blip r:embed="rId3" cstate="print"/>
+          <a:blip r:embed="rId5" cstate="print"/>
           <a:srcRect/>
           <a:stretch>
             <a:fillRect/>
@@ -13278,7 +9824,7 @@
         <p:spPr>
           <a:xfrm>
             <a:off x="4609600" y="449975"/>
-            <a:ext cx="7519208" cy="1198405"/>
+            <a:ext cx="8420600" cy="1198405"/>
           </a:xfrm>
           <a:prstGeom prst="rect">
             <a:avLst/>
@@ -13303,7 +9849,7 @@
         <p:spPr>
           <a:xfrm>
             <a:off x="4800600" y="50384"/>
-            <a:ext cx="7621656" cy="1293063"/>
+            <a:ext cx="8382000" cy="1293063"/>
           </a:xfrm>
           <a:prstGeom prst="rect">
             <a:avLst/>
@@ -13321,8 +9867,8 @@
         </p:nvSpPr>
         <p:spPr>
           <a:xfrm>
-            <a:off x="5328839" y="174883"/>
-            <a:ext cx="7219569" cy="1078757"/>
+            <a:off x="4876800" y="266700"/>
+            <a:ext cx="8382000" cy="1077218"/>
           </a:xfrm>
           <a:prstGeom prst="rect">
             <a:avLst/>
@@ -15562,7 +12108,7 @@
             <a:avLst/>
           </a:prstGeom>
           <a:solidFill>
-            <a:schemeClr val="bg1"/>
+            <a:schemeClr val="tx1"/>
           </a:solidFill>
         </p:spPr>
         <p:style>
@@ -15937,8 +12483,8 @@
         </p:nvSpPr>
         <p:spPr>
           <a:xfrm>
-            <a:off x="2132227" y="1633921"/>
-            <a:ext cx="5580728" cy="1057790"/>
+            <a:off x="2132226" y="1633921"/>
+            <a:ext cx="6554574" cy="1013098"/>
           </a:xfrm>
           <a:prstGeom prst="rect">
             <a:avLst/>
@@ -15972,25 +12518,6 @@
             </a:endParaRPr>
           </a:p>
         </p:txBody>
-      </p:sp>
-      <p:sp>
-        <p:nvSpPr>
-          <p:cNvPr id="5" name="AutoShape 5"/>
-          <p:cNvSpPr/>
-          <p:nvPr/>
-        </p:nvSpPr>
-        <p:spPr>
-          <a:xfrm>
-            <a:off x="8826428" y="1847880"/>
-            <a:ext cx="7632708" cy="7210034"/>
-          </a:xfrm>
-          <a:prstGeom prst="rect">
-            <a:avLst/>
-          </a:prstGeom>
-          <a:solidFill>
-            <a:srgbClr val="FFFFFF"/>
-          </a:solidFill>
-        </p:spPr>
       </p:sp>
       <p:pic>
         <p:nvPicPr>
@@ -16015,76 +12542,6 @@
           <a:prstGeom prst="rect">
             <a:avLst/>
           </a:prstGeom>
-        </p:spPr>
-      </p:pic>
-      <p:pic>
-        <p:nvPicPr>
-          <p:cNvPr id="10" name="Picture 10"/>
-          <p:cNvPicPr>
-            <a:picLocks noChangeAspect="1"/>
-          </p:cNvPicPr>
-          <p:nvPr/>
-        </p:nvPicPr>
-        <p:blipFill>
-          <a:blip r:embed="rId5" cstate="print"/>
-          <a:srcRect/>
-          <a:stretch>
-            <a:fillRect/>
-          </a:stretch>
-        </p:blipFill>
-        <p:spPr>
-          <a:xfrm rot="5400000">
-            <a:off x="16221022" y="8220022"/>
-            <a:ext cx="1797883" cy="278672"/>
-          </a:xfrm>
-          <a:prstGeom prst="rect">
-            <a:avLst/>
-          </a:prstGeom>
-        </p:spPr>
-      </p:pic>
-      <p:pic>
-        <p:nvPicPr>
-          <p:cNvPr id="1026" name="Picture 2">
-            <a:extLst>
-              <a:ext uri="{FF2B5EF4-FFF2-40B4-BE49-F238E27FC236}">
-                <a16:creationId xmlns:a16="http://schemas.microsoft.com/office/drawing/2014/main" xmlns="" id="{B1E3AC08-8A90-474E-A938-6F34CDB6F72E}"/>
-              </a:ext>
-            </a:extLst>
-          </p:cNvPr>
-          <p:cNvPicPr>
-            <a:picLocks noChangeAspect="1" noChangeArrowheads="1"/>
-          </p:cNvPicPr>
-          <p:nvPr/>
-        </p:nvPicPr>
-        <p:blipFill rotWithShape="1">
-          <a:blip r:embed="rId6" cstate="print">
-            <a:extLst>
-              <a:ext uri="{28A0092B-C50C-407E-A947-70E740481C1C}">
-                <a14:useLocalDpi xmlns:a14="http://schemas.microsoft.com/office/drawing/2010/main" xmlns="" val="0"/>
-              </a:ext>
-            </a:extLst>
-          </a:blip>
-          <a:srcRect r="28196"/>
-          <a:stretch/>
-        </p:blipFill>
-        <p:spPr bwMode="auto">
-          <a:xfrm>
-            <a:off x="8801028" y="1847877"/>
-            <a:ext cx="7658108" cy="7218737"/>
-          </a:xfrm>
-          <a:prstGeom prst="rect">
-            <a:avLst/>
-          </a:prstGeom>
-          <a:noFill/>
-          <a:extLst>
-            <a:ext uri="{909E8E84-426E-40DD-AFC4-6F175D3DCCD1}">
-              <a14:hiddenFill xmlns:a14="http://schemas.microsoft.com/office/drawing/2010/main" xmlns="">
-                <a:solidFill>
-                  <a:srgbClr val="FFFFFF"/>
-                </a:solidFill>
-              </a14:hiddenFill>
-            </a:ext>
-          </a:extLst>
         </p:spPr>
       </p:pic>
       <p:pic>
@@ -16102,7 +12559,7 @@
           <p:nvPr/>
         </p:nvPicPr>
         <p:blipFill>
-          <a:blip r:embed="rId7" cstate="print"/>
+          <a:blip r:embed="rId5" cstate="print"/>
           <a:srcRect/>
           <a:stretch>
             <a:fillRect/>
@@ -16112,37 +12569,6 @@
           <a:xfrm>
             <a:off x="609600" y="1456463"/>
             <a:ext cx="1195806" cy="1195806"/>
-          </a:xfrm>
-          <a:prstGeom prst="rect">
-            <a:avLst/>
-          </a:prstGeom>
-        </p:spPr>
-      </p:pic>
-      <p:pic>
-        <p:nvPicPr>
-          <p:cNvPr id="16" name="Picture 5">
-            <a:extLst>
-              <a:ext uri="{FF2B5EF4-FFF2-40B4-BE49-F238E27FC236}">
-                <a16:creationId xmlns:a16="http://schemas.microsoft.com/office/drawing/2014/main" xmlns="" id="{577E61CD-451D-4B49-89C1-6CEE8FCA2692}"/>
-              </a:ext>
-            </a:extLst>
-          </p:cNvPr>
-          <p:cNvPicPr>
-            <a:picLocks noChangeAspect="1"/>
-          </p:cNvPicPr>
-          <p:nvPr/>
-        </p:nvPicPr>
-        <p:blipFill>
-          <a:blip r:embed="rId8" cstate="print"/>
-          <a:srcRect/>
-          <a:stretch>
-            <a:fillRect/>
-          </a:stretch>
-        </p:blipFill>
-        <p:spPr>
-          <a:xfrm>
-            <a:off x="15535043" y="1198991"/>
-            <a:ext cx="1614254" cy="1178405"/>
           </a:xfrm>
           <a:prstGeom prst="rect">
             <a:avLst/>
@@ -17078,7 +13504,7 @@
           <p:nvPr/>
         </p:nvPicPr>
         <p:blipFill rotWithShape="1">
-          <a:blip r:embed="rId9" cstate="print">
+          <a:blip r:embed="rId6" cstate="print">
             <a:extLst>
               <a:ext uri="{28A0092B-C50C-407E-A947-70E740481C1C}">
                 <a14:useLocalDpi xmlns:a14="http://schemas.microsoft.com/office/drawing/2010/main" xmlns="" val="0"/>
@@ -17244,6 +13670,94 @@
           <p:nvPr/>
         </p:nvPicPr>
         <p:blipFill>
+          <a:blip r:embed="rId7" cstate="print"/>
+          <a:srcRect/>
+          <a:stretch>
+            <a:fillRect/>
+          </a:stretch>
+        </p:blipFill>
+        <p:spPr>
+          <a:xfrm>
+            <a:off x="1024940" y="9598192"/>
+            <a:ext cx="670927" cy="646531"/>
+          </a:xfrm>
+          <a:prstGeom prst="rect">
+            <a:avLst/>
+          </a:prstGeom>
+        </p:spPr>
+      </p:pic>
+      <p:pic>
+        <p:nvPicPr>
+          <p:cNvPr id="3" name="Picture 2"/>
+          <p:cNvPicPr>
+            <a:picLocks noChangeAspect="1" noChangeArrowheads="1"/>
+          </p:cNvPicPr>
+          <p:nvPr/>
+        </p:nvPicPr>
+        <p:blipFill>
+          <a:blip r:embed="rId8" cstate="print"/>
+          <a:srcRect/>
+          <a:stretch>
+            <a:fillRect/>
+          </a:stretch>
+        </p:blipFill>
+        <p:spPr bwMode="auto">
+          <a:xfrm>
+            <a:off x="8839200" y="1866900"/>
+            <a:ext cx="8885388" cy="6838950"/>
+          </a:xfrm>
+          <a:prstGeom prst="rect">
+            <a:avLst/>
+          </a:prstGeom>
+          <a:noFill/>
+          <a:ln w="9525">
+            <a:noFill/>
+            <a:miter lim="800000"/>
+            <a:headEnd/>
+            <a:tailEnd/>
+          </a:ln>
+        </p:spPr>
+      </p:pic>
+      <p:pic>
+        <p:nvPicPr>
+          <p:cNvPr id="16" name="Picture 5">
+            <a:extLst>
+              <a:ext uri="{FF2B5EF4-FFF2-40B4-BE49-F238E27FC236}">
+                <a16:creationId xmlns:a16="http://schemas.microsoft.com/office/drawing/2014/main" xmlns="" id="{577E61CD-451D-4B49-89C1-6CEE8FCA2692}"/>
+              </a:ext>
+            </a:extLst>
+          </p:cNvPr>
+          <p:cNvPicPr>
+            <a:picLocks noChangeAspect="1"/>
+          </p:cNvPicPr>
+          <p:nvPr/>
+        </p:nvPicPr>
+        <p:blipFill>
+          <a:blip r:embed="rId9" cstate="print"/>
+          <a:srcRect/>
+          <a:stretch>
+            <a:fillRect/>
+          </a:stretch>
+        </p:blipFill>
+        <p:spPr>
+          <a:xfrm>
+            <a:off x="15925800" y="1028700"/>
+            <a:ext cx="1614254" cy="1178405"/>
+          </a:xfrm>
+          <a:prstGeom prst="rect">
+            <a:avLst/>
+          </a:prstGeom>
+        </p:spPr>
+      </p:pic>
+      <p:pic>
+        <p:nvPicPr>
+          <p:cNvPr id="10" name="Picture 10"/>
+          <p:cNvPicPr>
+            <a:picLocks noChangeAspect="1"/>
+          </p:cNvPicPr>
+          <p:nvPr/>
+        </p:nvPicPr>
+        <p:blipFill>
           <a:blip r:embed="rId10" cstate="print"/>
           <a:srcRect/>
           <a:stretch>
@@ -17251,9 +13765,9 @@
           </a:stretch>
         </p:blipFill>
         <p:spPr>
-          <a:xfrm>
-            <a:off x="1024940" y="9598192"/>
-            <a:ext cx="670927" cy="646531"/>
+          <a:xfrm rot="5400000">
+            <a:off x="16221022" y="8220022"/>
+            <a:ext cx="1797883" cy="278672"/>
           </a:xfrm>
           <a:prstGeom prst="rect">
             <a:avLst/>
